--- a/RAPPORT/SOMMAIRE.pptx
+++ b/RAPPORT/SOMMAIRE.pptx
@@ -440,38 +440,37 @@
           <a:p>
             <a:pPr lvl="0"/>
             <a:r>
-              <a:rPr lang="fr-FR" smtClean="0"/>
+              <a:rPr lang="fr-FR"/>
               <a:t>Modifiez les styles du texte du masque</a:t>
             </a:r>
           </a:p>
           <a:p>
             <a:pPr lvl="1"/>
             <a:r>
-              <a:rPr lang="fr-FR" smtClean="0"/>
+              <a:rPr lang="fr-FR"/>
               <a:t>Deuxième niveau</a:t>
             </a:r>
           </a:p>
           <a:p>
             <a:pPr lvl="2"/>
             <a:r>
-              <a:rPr lang="fr-FR" smtClean="0"/>
+              <a:rPr lang="fr-FR"/>
               <a:t>Troisième niveau</a:t>
             </a:r>
           </a:p>
           <a:p>
             <a:pPr lvl="3"/>
             <a:r>
-              <a:rPr lang="fr-FR" smtClean="0"/>
+              <a:rPr lang="fr-FR"/>
               <a:t>Quatrième niveau</a:t>
             </a:r>
           </a:p>
           <a:p>
             <a:pPr lvl="4"/>
             <a:r>
-              <a:rPr lang="fr-FR" smtClean="0"/>
+              <a:rPr lang="fr-FR"/>
               <a:t>Cinquième niveau</a:t>
             </a:r>
-            <a:endParaRPr lang="fr-FR"/>
           </a:p>
         </p:txBody>
       </p:sp>
@@ -707,7 +706,7 @@
               <a:defRPr/>
             </a:pPr>
             <a:r>
-              <a:rPr lang="fr-FR" sz="1200" kern="1200" dirty="0" smtClean="0">
+              <a:rPr lang="fr-FR" sz="1200" kern="1200" dirty="0">
                 <a:solidFill>
                   <a:schemeClr val="tx1"/>
                 </a:solidFill>
@@ -822,7 +821,7 @@
               <a:defRPr/>
             </a:pPr>
             <a:r>
-              <a:rPr lang="fr-FR" sz="1200" kern="1200" dirty="0" smtClean="0">
+              <a:rPr lang="fr-FR" sz="1200" kern="1200" dirty="0">
                 <a:solidFill>
                   <a:schemeClr val="tx1"/>
                 </a:solidFill>
@@ -920,7 +919,7 @@
           <a:lstStyle/>
           <a:p>
             <a:r>
-              <a:rPr lang="fr-FR" sz="1200" kern="1200" dirty="0" smtClean="0">
+              <a:rPr lang="fr-FR" sz="1200" kern="1200" dirty="0">
                 <a:solidFill>
                   <a:schemeClr val="tx1"/>
                 </a:solidFill>
@@ -932,7 +931,7 @@
               <a:t>Pour fonctionner, le système a besoin de données en entrées, et renverra des données à un serveur.</a:t>
             </a:r>
             <a:br>
-              <a:rPr lang="fr-FR" sz="1200" kern="1200" dirty="0" smtClean="0">
+              <a:rPr lang="fr-FR" sz="1200" kern="1200" dirty="0">
                 <a:solidFill>
                   <a:schemeClr val="tx1"/>
                 </a:solidFill>
@@ -943,7 +942,7 @@
               </a:rPr>
             </a:br>
             <a:r>
-              <a:rPr lang="fr-FR" sz="1200" b="1" u="sng" kern="1200" dirty="0" smtClean="0">
+              <a:rPr lang="fr-FR" sz="1200" b="1" u="sng" kern="1200" dirty="0">
                 <a:solidFill>
                   <a:schemeClr val="tx1"/>
                 </a:solidFill>
@@ -955,7 +954,7 @@
               <a:t>Entrées :</a:t>
             </a:r>
             <a:r>
-              <a:rPr lang="fr-FR" sz="1200" kern="1200" dirty="0" smtClean="0">
+              <a:rPr lang="fr-FR" sz="1200" kern="1200" dirty="0">
                 <a:solidFill>
                   <a:schemeClr val="tx1"/>
                 </a:solidFill>
@@ -969,7 +968,7 @@
           </a:p>
           <a:p>
             <a:r>
-              <a:rPr lang="fr-FR" sz="1200" kern="1200" dirty="0" smtClean="0">
+              <a:rPr lang="fr-FR" sz="1200" kern="1200" dirty="0">
                 <a:solidFill>
                   <a:schemeClr val="tx1"/>
                 </a:solidFill>
@@ -981,7 +980,7 @@
               <a:t>(Exemple de protocole : [</a:t>
             </a:r>
             <a:r>
-              <a:rPr lang="fr-FR" sz="1200" i="1" kern="1200" dirty="0" smtClean="0">
+              <a:rPr lang="fr-FR" sz="1200" i="1" kern="1200" dirty="0">
                 <a:solidFill>
                   <a:schemeClr val="tx1"/>
                 </a:solidFill>
@@ -993,7 +992,7 @@
               <a:t>numéro de commande</a:t>
             </a:r>
             <a:r>
-              <a:rPr lang="fr-FR" sz="1200" kern="1200" dirty="0" smtClean="0">
+              <a:rPr lang="fr-FR" sz="1200" kern="1200" dirty="0">
                 <a:solidFill>
                   <a:schemeClr val="tx1"/>
                 </a:solidFill>
@@ -1005,7 +1004,7 @@
               <a:t>][</a:t>
             </a:r>
             <a:r>
-              <a:rPr lang="fr-FR" sz="1200" i="1" kern="1200" dirty="0" smtClean="0">
+              <a:rPr lang="fr-FR" sz="1200" i="1" kern="1200" dirty="0">
                 <a:solidFill>
                   <a:schemeClr val="tx1"/>
                 </a:solidFill>
@@ -1017,7 +1016,7 @@
               <a:t>taille de la commande</a:t>
             </a:r>
             <a:r>
-              <a:rPr lang="fr-FR" sz="1200" kern="1200" dirty="0" smtClean="0">
+              <a:rPr lang="fr-FR" sz="1200" kern="1200" dirty="0">
                 <a:solidFill>
                   <a:schemeClr val="tx1"/>
                 </a:solidFill>
@@ -1029,7 +1028,7 @@
               <a:t>] + </a:t>
             </a:r>
             <a:br>
-              <a:rPr lang="fr-FR" sz="1200" kern="1200" dirty="0" smtClean="0">
+              <a:rPr lang="fr-FR" sz="1200" kern="1200" dirty="0">
                 <a:solidFill>
                   <a:schemeClr val="tx1"/>
                 </a:solidFill>
@@ -1040,7 +1039,7 @@
               </a:rPr>
             </a:br>
             <a:r>
-              <a:rPr lang="fr-FR" sz="1200" kern="1200" dirty="0" smtClean="0">
+              <a:rPr lang="fr-FR" sz="1200" kern="1200" dirty="0">
                 <a:solidFill>
                   <a:schemeClr val="tx1"/>
                 </a:solidFill>
@@ -1052,7 +1051,7 @@
               <a:t>[</a:t>
             </a:r>
             <a:r>
-              <a:rPr lang="fr-FR" sz="1200" i="1" kern="1200" dirty="0" smtClean="0">
+              <a:rPr lang="fr-FR" sz="1200" i="1" kern="1200" dirty="0">
                 <a:solidFill>
                   <a:schemeClr val="tx1"/>
                 </a:solidFill>
@@ -1064,7 +1063,7 @@
               <a:t>nom de l’article</a:t>
             </a:r>
             <a:r>
-              <a:rPr lang="fr-FR" sz="1200" kern="1200" dirty="0" smtClean="0">
+              <a:rPr lang="fr-FR" sz="1200" kern="1200" dirty="0">
                 <a:solidFill>
                   <a:schemeClr val="tx1"/>
                 </a:solidFill>
@@ -1076,7 +1075,7 @@
               <a:t>][</a:t>
             </a:r>
             <a:r>
-              <a:rPr lang="fr-FR" sz="1200" i="1" kern="1200" dirty="0" smtClean="0">
+              <a:rPr lang="fr-FR" sz="1200" i="1" kern="1200" dirty="0">
                 <a:solidFill>
                   <a:schemeClr val="tx1"/>
                 </a:solidFill>
@@ -1088,7 +1087,7 @@
               <a:t>code barre de l’article</a:t>
             </a:r>
             <a:r>
-              <a:rPr lang="fr-FR" sz="1200" kern="1200" dirty="0" smtClean="0">
+              <a:rPr lang="fr-FR" sz="1200" kern="1200" dirty="0">
                 <a:solidFill>
                   <a:schemeClr val="tx1"/>
                 </a:solidFill>
@@ -1100,7 +1099,7 @@
               <a:t>][</a:t>
             </a:r>
             <a:r>
-              <a:rPr lang="fr-FR" sz="1200" i="1" kern="1200" dirty="0" smtClean="0">
+              <a:rPr lang="fr-FR" sz="1200" i="1" kern="1200" dirty="0">
                 <a:solidFill>
                   <a:schemeClr val="tx1"/>
                 </a:solidFill>
@@ -1112,7 +1111,7 @@
               <a:t>informations sur l’article</a:t>
             </a:r>
             <a:r>
-              <a:rPr lang="fr-FR" sz="1200" kern="1200" dirty="0" smtClean="0">
+              <a:rPr lang="fr-FR" sz="1200" kern="1200" dirty="0">
                 <a:solidFill>
                   <a:schemeClr val="tx1"/>
                 </a:solidFill>
@@ -1126,7 +1125,7 @@
           </a:p>
           <a:p>
             <a:r>
-              <a:rPr lang="fr-FR" sz="1200" b="1" u="sng" kern="1200" dirty="0" smtClean="0">
+              <a:rPr lang="fr-FR" sz="1200" b="1" u="sng" kern="1200" dirty="0">
                 <a:solidFill>
                   <a:schemeClr val="tx1"/>
                 </a:solidFill>
@@ -1138,7 +1137,7 @@
               <a:t>Sorties :</a:t>
             </a:r>
             <a:r>
-              <a:rPr lang="fr-FR" sz="1200" kern="1200" dirty="0" smtClean="0">
+              <a:rPr lang="fr-FR" sz="1200" kern="1200" dirty="0">
                 <a:solidFill>
                   <a:schemeClr val="tx1"/>
                 </a:solidFill>
@@ -1152,7 +1151,7 @@
           </a:p>
           <a:p>
             <a:r>
-              <a:rPr lang="fr-FR" sz="1200" kern="1200" dirty="0" smtClean="0">
+              <a:rPr lang="fr-FR" sz="1200" kern="1200" dirty="0">
                 <a:solidFill>
                   <a:schemeClr val="tx1"/>
                 </a:solidFill>
@@ -1164,7 +1163,7 @@
               <a:t>(Exemple de protocole : [</a:t>
             </a:r>
             <a:r>
-              <a:rPr lang="fr-FR" sz="1200" i="1" kern="1200" dirty="0" smtClean="0">
+              <a:rPr lang="fr-FR" sz="1200" i="1" kern="1200" dirty="0">
                 <a:solidFill>
                   <a:schemeClr val="tx1"/>
                 </a:solidFill>
@@ -1176,7 +1175,7 @@
               <a:t>numéro de commande</a:t>
             </a:r>
             <a:r>
-              <a:rPr lang="fr-FR" sz="1200" kern="1200" dirty="0" smtClean="0">
+              <a:rPr lang="fr-FR" sz="1200" kern="1200" dirty="0">
                 <a:solidFill>
                   <a:schemeClr val="tx1"/>
                 </a:solidFill>
@@ -1188,7 +1187,7 @@
               <a:t>][</a:t>
             </a:r>
             <a:r>
-              <a:rPr lang="fr-FR" sz="1200" i="1" kern="1200" dirty="0" smtClean="0">
+              <a:rPr lang="fr-FR" sz="1200" i="1" kern="1200" dirty="0">
                 <a:solidFill>
                   <a:schemeClr val="tx1"/>
                 </a:solidFill>
@@ -1200,7 +1199,7 @@
               <a:t>statut de la commande</a:t>
             </a:r>
             <a:r>
-              <a:rPr lang="fr-FR" sz="1200" kern="1200" dirty="0" smtClean="0">
+              <a:rPr lang="fr-FR" sz="1200" kern="1200" dirty="0">
                 <a:solidFill>
                   <a:schemeClr val="tx1"/>
                 </a:solidFill>
@@ -1415,7 +1414,7 @@
           <a:p>
             <a:pPr rtl="0"/>
             <a:r>
-              <a:rPr lang="fr-FR" noProof="0" smtClean="0"/>
+              <a:rPr lang="fr-FR" noProof="0"/>
               <a:t>Modifiez le style du titre</a:t>
             </a:r>
             <a:endParaRPr lang="fr-FR" noProof="0" dirty="0"/>
@@ -1491,7 +1490,7 @@
           <a:p>
             <a:pPr rtl="0"/>
             <a:r>
-              <a:rPr lang="fr-FR" noProof="0" smtClean="0"/>
+              <a:rPr lang="fr-FR" noProof="0"/>
               <a:t>Modifiez le style des sous-titres du masque</a:t>
             </a:r>
             <a:endParaRPr lang="fr-FR" noProof="0" dirty="0"/>
@@ -1508,21 +1507,6 @@
   <p:clrMapOvr>
     <a:masterClrMapping/>
   </p:clrMapOvr>
-  <mc:AlternateContent xmlns:mc="http://schemas.openxmlformats.org/markup-compatibility/2006" xmlns:p14="http://schemas.microsoft.com/office/powerpoint/2010/main">
-    <mc:Choice Requires="p14">
-      <p:transition spd="slow" p14:dur="2000"/>
-    </mc:Choice>
-    <mc:Fallback xmlns="">
-      <p:transition spd="slow"/>
-    </mc:Fallback>
-  </mc:AlternateContent>
-  <p:timing>
-    <p:tnLst>
-      <p:par>
-        <p:cTn id="1" dur="indefinite" restart="never" nodeType="tmRoot"/>
-      </p:par>
-    </p:tnLst>
-  </p:timing>
 </p:sldLayout>
 </file>
 
@@ -1560,7 +1544,7 @@
           <a:p>
             <a:pPr rtl="0"/>
             <a:r>
-              <a:rPr lang="fr-FR" noProof="0" smtClean="0"/>
+              <a:rPr lang="fr-FR" noProof="0"/>
               <a:t>Modifiez le style du titre</a:t>
             </a:r>
             <a:endParaRPr lang="fr-FR" noProof="0" dirty="0"/>
@@ -1584,35 +1568,35 @@
           <a:p>
             <a:pPr lvl="0" rtl="0"/>
             <a:r>
-              <a:rPr lang="fr-FR" noProof="0" smtClean="0"/>
+              <a:rPr lang="fr-FR" noProof="0"/>
               <a:t>Modifiez les styles du texte du masque</a:t>
             </a:r>
           </a:p>
           <a:p>
             <a:pPr lvl="1" rtl="0"/>
             <a:r>
-              <a:rPr lang="fr-FR" noProof="0" smtClean="0"/>
+              <a:rPr lang="fr-FR" noProof="0"/>
               <a:t>Deuxième niveau</a:t>
             </a:r>
           </a:p>
           <a:p>
             <a:pPr lvl="2" rtl="0"/>
             <a:r>
-              <a:rPr lang="fr-FR" noProof="0" smtClean="0"/>
+              <a:rPr lang="fr-FR" noProof="0"/>
               <a:t>Troisième niveau</a:t>
             </a:r>
           </a:p>
           <a:p>
             <a:pPr lvl="3" rtl="0"/>
             <a:r>
-              <a:rPr lang="fr-FR" noProof="0" smtClean="0"/>
+              <a:rPr lang="fr-FR" noProof="0"/>
               <a:t>Quatrième niveau</a:t>
             </a:r>
           </a:p>
           <a:p>
             <a:pPr lvl="4" rtl="0"/>
             <a:r>
-              <a:rPr lang="fr-FR" noProof="0" smtClean="0"/>
+              <a:rPr lang="fr-FR" noProof="0"/>
               <a:t>Cinquième niveau</a:t>
             </a:r>
             <a:endParaRPr lang="fr-FR" noProof="0" dirty="0"/>
@@ -1662,10 +1646,9 @@
           <a:lstStyle/>
           <a:p>
             <a:r>
-              <a:rPr lang="fr-FR" smtClean="0"/>
+              <a:rPr lang="fr-FR"/>
               <a:t>CARREZ N. - DESERT L. | JUIN 2018</a:t>
             </a:r>
-            <a:endParaRPr lang="fr-FR"/>
           </a:p>
         </p:txBody>
       </p:sp>
@@ -1706,21 +1689,6 @@
   <p:clrMapOvr>
     <a:masterClrMapping/>
   </p:clrMapOvr>
-  <mc:AlternateContent xmlns:mc="http://schemas.openxmlformats.org/markup-compatibility/2006" xmlns:p14="http://schemas.microsoft.com/office/powerpoint/2010/main">
-    <mc:Choice Requires="p14">
-      <p:transition spd="slow" p14:dur="2000"/>
-    </mc:Choice>
-    <mc:Fallback xmlns="">
-      <p:transition spd="slow"/>
-    </mc:Fallback>
-  </mc:AlternateContent>
-  <p:timing>
-    <p:tnLst>
-      <p:par>
-        <p:cTn id="1" dur="indefinite" restart="never" nodeType="tmRoot"/>
-      </p:par>
-    </p:tnLst>
-  </p:timing>
 </p:sldLayout>
 </file>
 
@@ -1763,7 +1731,7 @@
           <a:p>
             <a:pPr rtl="0"/>
             <a:r>
-              <a:rPr lang="fr-FR" noProof="0" smtClean="0"/>
+              <a:rPr lang="fr-FR" noProof="0"/>
               <a:t>Modifiez le style du titre</a:t>
             </a:r>
             <a:endParaRPr lang="fr-FR" noProof="0" dirty="0"/>
@@ -1792,35 +1760,35 @@
           <a:p>
             <a:pPr lvl="0" rtl="0"/>
             <a:r>
-              <a:rPr lang="fr-FR" noProof="0" smtClean="0"/>
+              <a:rPr lang="fr-FR" noProof="0"/>
               <a:t>Modifiez les styles du texte du masque</a:t>
             </a:r>
           </a:p>
           <a:p>
             <a:pPr lvl="1" rtl="0"/>
             <a:r>
-              <a:rPr lang="fr-FR" noProof="0" smtClean="0"/>
+              <a:rPr lang="fr-FR" noProof="0"/>
               <a:t>Deuxième niveau</a:t>
             </a:r>
           </a:p>
           <a:p>
             <a:pPr lvl="2" rtl="0"/>
             <a:r>
-              <a:rPr lang="fr-FR" noProof="0" smtClean="0"/>
+              <a:rPr lang="fr-FR" noProof="0"/>
               <a:t>Troisième niveau</a:t>
             </a:r>
           </a:p>
           <a:p>
             <a:pPr lvl="3" rtl="0"/>
             <a:r>
-              <a:rPr lang="fr-FR" noProof="0" smtClean="0"/>
+              <a:rPr lang="fr-FR" noProof="0"/>
               <a:t>Quatrième niveau</a:t>
             </a:r>
           </a:p>
           <a:p>
             <a:pPr lvl="4" rtl="0"/>
             <a:r>
-              <a:rPr lang="fr-FR" noProof="0" smtClean="0"/>
+              <a:rPr lang="fr-FR" noProof="0"/>
               <a:t>Cinquième niveau</a:t>
             </a:r>
             <a:endParaRPr lang="fr-FR" noProof="0" dirty="0"/>
@@ -1870,10 +1838,9 @@
           <a:lstStyle/>
           <a:p>
             <a:r>
-              <a:rPr lang="fr-FR" smtClean="0"/>
+              <a:rPr lang="fr-FR"/>
               <a:t>CARREZ N. - DESERT L. | JUIN 2018</a:t>
             </a:r>
-            <a:endParaRPr lang="fr-FR"/>
           </a:p>
         </p:txBody>
       </p:sp>
@@ -1914,21 +1881,6 @@
   <p:clrMapOvr>
     <a:masterClrMapping/>
   </p:clrMapOvr>
-  <mc:AlternateContent xmlns:mc="http://schemas.openxmlformats.org/markup-compatibility/2006" xmlns:p14="http://schemas.microsoft.com/office/powerpoint/2010/main">
-    <mc:Choice Requires="p14">
-      <p:transition spd="slow" p14:dur="2000"/>
-    </mc:Choice>
-    <mc:Fallback xmlns="">
-      <p:transition spd="slow"/>
-    </mc:Fallback>
-  </mc:AlternateContent>
-  <p:timing>
-    <p:tnLst>
-      <p:par>
-        <p:cTn id="1" dur="indefinite" restart="never" nodeType="tmRoot"/>
-      </p:par>
-    </p:tnLst>
-  </p:timing>
 </p:sldLayout>
 </file>
 
@@ -2078,7 +2030,7 @@
           </a:lstStyle>
           <a:p>
             <a:r>
-              <a:rPr lang="fr-FR" smtClean="0"/>
+              <a:rPr lang="fr-FR"/>
               <a:t>Modifiez le style du titre</a:t>
             </a:r>
             <a:endParaRPr lang="en-US" dirty="0"/>
@@ -2195,7 +2147,7 @@
           </a:lstStyle>
           <a:p>
             <a:r>
-              <a:rPr lang="fr-FR" smtClean="0"/>
+              <a:rPr lang="fr-FR"/>
               <a:t>Modifiez le style des sous-titres du masque</a:t>
             </a:r>
             <a:endParaRPr lang="en-US" dirty="0"/>
@@ -2241,7 +2193,7 @@
           <a:lstStyle/>
           <a:p>
             <a:r>
-              <a:rPr lang="fr-FR" smtClean="0"/>
+              <a:rPr lang="fr-FR"/>
               <a:t>CARREZ N. - DESERT L. | JUIN 2018</a:t>
             </a:r>
             <a:endParaRPr lang="en-US" dirty="0"/>
@@ -2426,7 +2378,7 @@
           <a:lstStyle/>
           <a:p>
             <a:r>
-              <a:rPr lang="fr-FR" smtClean="0"/>
+              <a:rPr lang="fr-FR"/>
               <a:t>Modifiez le style du titre</a:t>
             </a:r>
             <a:endParaRPr lang="en-US" dirty="0"/>
@@ -2455,35 +2407,35 @@
           <a:p>
             <a:pPr lvl="0"/>
             <a:r>
-              <a:rPr lang="fr-FR" smtClean="0"/>
+              <a:rPr lang="fr-FR"/>
               <a:t>Modifiez les styles du texte du masque</a:t>
             </a:r>
           </a:p>
           <a:p>
             <a:pPr lvl="1"/>
             <a:r>
-              <a:rPr lang="fr-FR" smtClean="0"/>
+              <a:rPr lang="fr-FR"/>
               <a:t>Deuxième niveau</a:t>
             </a:r>
           </a:p>
           <a:p>
             <a:pPr lvl="2"/>
             <a:r>
-              <a:rPr lang="fr-FR" smtClean="0"/>
+              <a:rPr lang="fr-FR"/>
               <a:t>Troisième niveau</a:t>
             </a:r>
           </a:p>
           <a:p>
             <a:pPr lvl="3"/>
             <a:r>
-              <a:rPr lang="fr-FR" smtClean="0"/>
+              <a:rPr lang="fr-FR"/>
               <a:t>Quatrième niveau</a:t>
             </a:r>
           </a:p>
           <a:p>
             <a:pPr lvl="4"/>
             <a:r>
-              <a:rPr lang="fr-FR" smtClean="0"/>
+              <a:rPr lang="fr-FR"/>
               <a:t>Cinquième niveau</a:t>
             </a:r>
             <a:endParaRPr lang="en-US" dirty="0"/>
@@ -2529,10 +2481,9 @@
           <a:lstStyle/>
           <a:p>
             <a:r>
-              <a:rPr lang="fr-FR" smtClean="0"/>
+              <a:rPr lang="fr-FR"/>
               <a:t>CARREZ N. - DESERT L. | JUIN 2018</a:t>
             </a:r>
-            <a:endParaRPr lang="fr-FR"/>
           </a:p>
         </p:txBody>
       </p:sp>
@@ -2711,7 +2662,7 @@
           </a:lstStyle>
           <a:p>
             <a:r>
-              <a:rPr lang="fr-FR" smtClean="0"/>
+              <a:rPr lang="fr-FR"/>
               <a:t>Modifiez le style du titre</a:t>
             </a:r>
             <a:endParaRPr lang="en-US" dirty="0"/>
@@ -2831,7 +2782,7 @@
           <a:p>
             <a:pPr lvl="0"/>
             <a:r>
-              <a:rPr lang="fr-FR" smtClean="0"/>
+              <a:rPr lang="fr-FR"/>
               <a:t>Modifiez les styles du texte du masque</a:t>
             </a:r>
           </a:p>
@@ -2876,10 +2827,9 @@
           <a:lstStyle/>
           <a:p>
             <a:r>
-              <a:rPr lang="fr-FR" smtClean="0"/>
+              <a:rPr lang="fr-FR"/>
               <a:t>CARREZ N. - DESERT L. | JUIN 2018</a:t>
             </a:r>
-            <a:endParaRPr lang="fr-FR"/>
           </a:p>
         </p:txBody>
       </p:sp>
@@ -3055,7 +3005,7 @@
           <a:lstStyle/>
           <a:p>
             <a:r>
-              <a:rPr lang="fr-FR" smtClean="0"/>
+              <a:rPr lang="fr-FR"/>
               <a:t>Modifiez le style du titre</a:t>
             </a:r>
             <a:endParaRPr lang="en-US" dirty="0"/>
@@ -3086,35 +3036,35 @@
           <a:p>
             <a:pPr lvl="0"/>
             <a:r>
-              <a:rPr lang="fr-FR" smtClean="0"/>
+              <a:rPr lang="fr-FR"/>
               <a:t>Modifiez les styles du texte du masque</a:t>
             </a:r>
           </a:p>
           <a:p>
             <a:pPr lvl="1"/>
             <a:r>
-              <a:rPr lang="fr-FR" smtClean="0"/>
+              <a:rPr lang="fr-FR"/>
               <a:t>Deuxième niveau</a:t>
             </a:r>
           </a:p>
           <a:p>
             <a:pPr lvl="2"/>
             <a:r>
-              <a:rPr lang="fr-FR" smtClean="0"/>
+              <a:rPr lang="fr-FR"/>
               <a:t>Troisième niveau</a:t>
             </a:r>
           </a:p>
           <a:p>
             <a:pPr lvl="3"/>
             <a:r>
-              <a:rPr lang="fr-FR" smtClean="0"/>
+              <a:rPr lang="fr-FR"/>
               <a:t>Quatrième niveau</a:t>
             </a:r>
           </a:p>
           <a:p>
             <a:pPr lvl="4"/>
             <a:r>
-              <a:rPr lang="fr-FR" smtClean="0"/>
+              <a:rPr lang="fr-FR"/>
               <a:t>Cinquième niveau</a:t>
             </a:r>
             <a:endParaRPr lang="en-US" dirty="0"/>
@@ -3145,35 +3095,35 @@
           <a:p>
             <a:pPr lvl="0"/>
             <a:r>
-              <a:rPr lang="fr-FR" smtClean="0"/>
+              <a:rPr lang="fr-FR"/>
               <a:t>Modifiez les styles du texte du masque</a:t>
             </a:r>
           </a:p>
           <a:p>
             <a:pPr lvl="1"/>
             <a:r>
-              <a:rPr lang="fr-FR" smtClean="0"/>
+              <a:rPr lang="fr-FR"/>
               <a:t>Deuxième niveau</a:t>
             </a:r>
           </a:p>
           <a:p>
             <a:pPr lvl="2"/>
             <a:r>
-              <a:rPr lang="fr-FR" smtClean="0"/>
+              <a:rPr lang="fr-FR"/>
               <a:t>Troisième niveau</a:t>
             </a:r>
           </a:p>
           <a:p>
             <a:pPr lvl="3"/>
             <a:r>
-              <a:rPr lang="fr-FR" smtClean="0"/>
+              <a:rPr lang="fr-FR"/>
               <a:t>Quatrième niveau</a:t>
             </a:r>
           </a:p>
           <a:p>
             <a:pPr lvl="4"/>
             <a:r>
-              <a:rPr lang="fr-FR" smtClean="0"/>
+              <a:rPr lang="fr-FR"/>
               <a:t>Cinquième niveau</a:t>
             </a:r>
             <a:endParaRPr lang="en-US" dirty="0"/>
@@ -3219,10 +3169,9 @@
           <a:lstStyle/>
           <a:p>
             <a:r>
-              <a:rPr lang="fr-FR" smtClean="0"/>
+              <a:rPr lang="fr-FR"/>
               <a:t>CARREZ N. - DESERT L. | JUIN 2018</a:t>
             </a:r>
-            <a:endParaRPr lang="fr-FR"/>
           </a:p>
         </p:txBody>
       </p:sp>
@@ -3402,7 +3351,7 @@
           </a:lstStyle>
           <a:p>
             <a:r>
-              <a:rPr lang="fr-FR" smtClean="0"/>
+              <a:rPr lang="fr-FR"/>
               <a:t>Modifiez le style du titre</a:t>
             </a:r>
             <a:endParaRPr lang="en-US" dirty="0"/>
@@ -3470,7 +3419,7 @@
           <a:p>
             <a:pPr lvl="0"/>
             <a:r>
-              <a:rPr lang="fr-FR" smtClean="0"/>
+              <a:rPr lang="fr-FR"/>
               <a:t>Modifiez les styles du texte du masque</a:t>
             </a:r>
           </a:p>
@@ -3500,35 +3449,35 @@
           <a:p>
             <a:pPr lvl="0"/>
             <a:r>
-              <a:rPr lang="fr-FR" smtClean="0"/>
+              <a:rPr lang="fr-FR"/>
               <a:t>Modifiez les styles du texte du masque</a:t>
             </a:r>
           </a:p>
           <a:p>
             <a:pPr lvl="1"/>
             <a:r>
-              <a:rPr lang="fr-FR" smtClean="0"/>
+              <a:rPr lang="fr-FR"/>
               <a:t>Deuxième niveau</a:t>
             </a:r>
           </a:p>
           <a:p>
             <a:pPr lvl="2"/>
             <a:r>
-              <a:rPr lang="fr-FR" smtClean="0"/>
+              <a:rPr lang="fr-FR"/>
               <a:t>Troisième niveau</a:t>
             </a:r>
           </a:p>
           <a:p>
             <a:pPr lvl="3"/>
             <a:r>
-              <a:rPr lang="fr-FR" smtClean="0"/>
+              <a:rPr lang="fr-FR"/>
               <a:t>Quatrième niveau</a:t>
             </a:r>
           </a:p>
           <a:p>
             <a:pPr lvl="4"/>
             <a:r>
-              <a:rPr lang="fr-FR" smtClean="0"/>
+              <a:rPr lang="fr-FR"/>
               <a:t>Cinquième niveau</a:t>
             </a:r>
             <a:endParaRPr lang="en-US" dirty="0"/>
@@ -3596,7 +3545,7 @@
           <a:p>
             <a:pPr lvl="0"/>
             <a:r>
-              <a:rPr lang="fr-FR" smtClean="0"/>
+              <a:rPr lang="fr-FR"/>
               <a:t>Modifiez les styles du texte du masque</a:t>
             </a:r>
           </a:p>
@@ -3626,35 +3575,35 @@
           <a:p>
             <a:pPr lvl="0"/>
             <a:r>
-              <a:rPr lang="fr-FR" smtClean="0"/>
+              <a:rPr lang="fr-FR"/>
               <a:t>Modifiez les styles du texte du masque</a:t>
             </a:r>
           </a:p>
           <a:p>
             <a:pPr lvl="1"/>
             <a:r>
-              <a:rPr lang="fr-FR" smtClean="0"/>
+              <a:rPr lang="fr-FR"/>
               <a:t>Deuxième niveau</a:t>
             </a:r>
           </a:p>
           <a:p>
             <a:pPr lvl="2"/>
             <a:r>
-              <a:rPr lang="fr-FR" smtClean="0"/>
+              <a:rPr lang="fr-FR"/>
               <a:t>Troisième niveau</a:t>
             </a:r>
           </a:p>
           <a:p>
             <a:pPr lvl="3"/>
             <a:r>
-              <a:rPr lang="fr-FR" smtClean="0"/>
+              <a:rPr lang="fr-FR"/>
               <a:t>Quatrième niveau</a:t>
             </a:r>
           </a:p>
           <a:p>
             <a:pPr lvl="4"/>
             <a:r>
-              <a:rPr lang="fr-FR" smtClean="0"/>
+              <a:rPr lang="fr-FR"/>
               <a:t>Cinquième niveau</a:t>
             </a:r>
             <a:endParaRPr lang="en-US" dirty="0"/>
@@ -3700,10 +3649,9 @@
           <a:lstStyle/>
           <a:p>
             <a:r>
-              <a:rPr lang="fr-FR" smtClean="0"/>
+              <a:rPr lang="fr-FR"/>
               <a:t>CARREZ N. - DESERT L. | JUIN 2018</a:t>
             </a:r>
-            <a:endParaRPr lang="fr-FR"/>
           </a:p>
         </p:txBody>
       </p:sp>
@@ -3879,7 +3827,7 @@
           <a:lstStyle/>
           <a:p>
             <a:r>
-              <a:rPr lang="fr-FR" smtClean="0"/>
+              <a:rPr lang="fr-FR"/>
               <a:t>Modifiez le style du titre</a:t>
             </a:r>
             <a:endParaRPr lang="en-US" dirty="0"/>
@@ -3925,10 +3873,9 @@
           <a:lstStyle/>
           <a:p>
             <a:r>
-              <a:rPr lang="fr-FR" smtClean="0"/>
+              <a:rPr lang="fr-FR"/>
               <a:t>CARREZ N. - DESERT L. | JUIN 2018</a:t>
             </a:r>
-            <a:endParaRPr lang="fr-FR"/>
           </a:p>
         </p:txBody>
       </p:sp>
@@ -4024,10 +3971,9 @@
           <a:lstStyle/>
           <a:p>
             <a:r>
-              <a:rPr lang="fr-FR" smtClean="0"/>
+              <a:rPr lang="fr-FR"/>
               <a:t>CARREZ N. - DESERT L. | JUIN 2018</a:t>
             </a:r>
-            <a:endParaRPr lang="fr-FR"/>
           </a:p>
         </p:txBody>
       </p:sp>
@@ -4325,7 +4271,7 @@
           </a:lstStyle>
           <a:p>
             <a:r>
-              <a:rPr lang="fr-FR" smtClean="0"/>
+              <a:rPr lang="fr-FR"/>
               <a:t>Modifiez le style du titre</a:t>
             </a:r>
             <a:endParaRPr lang="en-US" dirty="0"/>
@@ -4356,35 +4302,35 @@
           <a:p>
             <a:pPr lvl="0"/>
             <a:r>
-              <a:rPr lang="fr-FR" smtClean="0"/>
+              <a:rPr lang="fr-FR"/>
               <a:t>Modifiez les styles du texte du masque</a:t>
             </a:r>
           </a:p>
           <a:p>
             <a:pPr lvl="1"/>
             <a:r>
-              <a:rPr lang="fr-FR" smtClean="0"/>
+              <a:rPr lang="fr-FR"/>
               <a:t>Deuxième niveau</a:t>
             </a:r>
           </a:p>
           <a:p>
             <a:pPr lvl="2"/>
             <a:r>
-              <a:rPr lang="fr-FR" smtClean="0"/>
+              <a:rPr lang="fr-FR"/>
               <a:t>Troisième niveau</a:t>
             </a:r>
           </a:p>
           <a:p>
             <a:pPr lvl="3"/>
             <a:r>
-              <a:rPr lang="fr-FR" smtClean="0"/>
+              <a:rPr lang="fr-FR"/>
               <a:t>Quatrième niveau</a:t>
             </a:r>
           </a:p>
           <a:p>
             <a:pPr lvl="4"/>
             <a:r>
-              <a:rPr lang="fr-FR" smtClean="0"/>
+              <a:rPr lang="fr-FR"/>
               <a:t>Cinquième niveau</a:t>
             </a:r>
             <a:endParaRPr lang="en-US" dirty="0"/>
@@ -4450,7 +4396,7 @@
           <a:p>
             <a:pPr lvl="0"/>
             <a:r>
-              <a:rPr lang="fr-FR" smtClean="0"/>
+              <a:rPr lang="fr-FR"/>
               <a:t>Modifiez les styles du texte du masque</a:t>
             </a:r>
           </a:p>
@@ -4495,10 +4441,9 @@
           <a:lstStyle/>
           <a:p>
             <a:r>
-              <a:rPr lang="fr-FR" smtClean="0"/>
+              <a:rPr lang="fr-FR"/>
               <a:t>CARREZ N. - DESERT L. | JUIN 2018</a:t>
             </a:r>
-            <a:endParaRPr lang="fr-FR"/>
           </a:p>
         </p:txBody>
       </p:sp>
@@ -4572,7 +4517,7 @@
           <a:p>
             <a:pPr rtl="0"/>
             <a:r>
-              <a:rPr lang="fr-FR" noProof="0" smtClean="0"/>
+              <a:rPr lang="fr-FR" noProof="0"/>
               <a:t>Modifiez le style du titre</a:t>
             </a:r>
             <a:endParaRPr lang="fr-FR" noProof="0" dirty="0"/>
@@ -4600,35 +4545,35 @@
           <a:p>
             <a:pPr lvl="0" rtl="0"/>
             <a:r>
-              <a:rPr lang="fr-FR" noProof="0" smtClean="0"/>
+              <a:rPr lang="fr-FR" noProof="0"/>
               <a:t>Modifiez les styles du texte du masque</a:t>
             </a:r>
           </a:p>
           <a:p>
             <a:pPr lvl="1" rtl="0"/>
             <a:r>
-              <a:rPr lang="fr-FR" noProof="0" smtClean="0"/>
+              <a:rPr lang="fr-FR" noProof="0"/>
               <a:t>Deuxième niveau</a:t>
             </a:r>
           </a:p>
           <a:p>
             <a:pPr lvl="2" rtl="0"/>
             <a:r>
-              <a:rPr lang="fr-FR" noProof="0" smtClean="0"/>
+              <a:rPr lang="fr-FR" noProof="0"/>
               <a:t>Troisième niveau</a:t>
             </a:r>
           </a:p>
           <a:p>
             <a:pPr lvl="3" rtl="0"/>
             <a:r>
-              <a:rPr lang="fr-FR" noProof="0" smtClean="0"/>
+              <a:rPr lang="fr-FR" noProof="0"/>
               <a:t>Quatrième niveau</a:t>
             </a:r>
           </a:p>
           <a:p>
             <a:pPr lvl="4" rtl="0"/>
             <a:r>
-              <a:rPr lang="fr-FR" noProof="0" smtClean="0"/>
+              <a:rPr lang="fr-FR" noProof="0"/>
               <a:t>Cinquième niveau</a:t>
             </a:r>
             <a:endParaRPr lang="fr-FR" noProof="0" dirty="0"/>
@@ -4678,10 +4623,9 @@
           <a:lstStyle/>
           <a:p>
             <a:r>
-              <a:rPr lang="fr-FR" smtClean="0"/>
+              <a:rPr lang="fr-FR"/>
               <a:t>CARREZ N. - DESERT L. | JUIN 2018</a:t>
             </a:r>
-            <a:endParaRPr lang="fr-FR"/>
           </a:p>
         </p:txBody>
       </p:sp>
@@ -4722,21 +4666,6 @@
   <p:clrMapOvr>
     <a:masterClrMapping/>
   </p:clrMapOvr>
-  <mc:AlternateContent xmlns:mc="http://schemas.openxmlformats.org/markup-compatibility/2006" xmlns:p14="http://schemas.microsoft.com/office/powerpoint/2010/main">
-    <mc:Choice Requires="p14">
-      <p:transition spd="slow" p14:dur="2000"/>
-    </mc:Choice>
-    <mc:Fallback xmlns="">
-      <p:transition spd="slow"/>
-    </mc:Fallback>
-  </mc:AlternateContent>
-  <p:timing>
-    <p:tnLst>
-      <p:par>
-        <p:cTn id="1" dur="indefinite" restart="never" nodeType="tmRoot"/>
-      </p:par>
-    </p:tnLst>
-  </p:timing>
 </p:sldLayout>
 </file>
 
@@ -4784,7 +4713,7 @@
           </a:lstStyle>
           <a:p>
             <a:r>
-              <a:rPr lang="fr-FR" smtClean="0"/>
+              <a:rPr lang="fr-FR"/>
               <a:t>Modifiez le style du titre</a:t>
             </a:r>
             <a:endParaRPr lang="en-US" dirty="0"/>
@@ -4896,7 +4825,7 @@
           </a:lstStyle>
           <a:p>
             <a:r>
-              <a:rPr lang="fr-FR" smtClean="0"/>
+              <a:rPr lang="fr-FR"/>
               <a:t>Cliquez sur l'icône pour ajouter une image</a:t>
             </a:r>
             <a:endParaRPr lang="en-US" dirty="0"/>
@@ -4964,7 +4893,7 @@
           <a:p>
             <a:pPr lvl="0"/>
             <a:r>
-              <a:rPr lang="fr-FR" smtClean="0"/>
+              <a:rPr lang="fr-FR"/>
               <a:t>Modifiez les styles du texte du masque</a:t>
             </a:r>
           </a:p>
@@ -5019,10 +4948,9 @@
           <a:lstStyle/>
           <a:p>
             <a:r>
-              <a:rPr lang="fr-FR" smtClean="0"/>
+              <a:rPr lang="fr-FR"/>
               <a:t>CARREZ N. - DESERT L. | JUIN 2018</a:t>
             </a:r>
-            <a:endParaRPr lang="fr-FR"/>
           </a:p>
         </p:txBody>
       </p:sp>
@@ -5111,7 +5039,7 @@
           </a:lstStyle>
           <a:p>
             <a:r>
-              <a:rPr lang="fr-FR" smtClean="0"/>
+              <a:rPr lang="fr-FR"/>
               <a:t>Modifiez le style du titre</a:t>
             </a:r>
             <a:endParaRPr lang="en-US" dirty="0"/>
@@ -5233,7 +5161,7 @@
           </a:lstStyle>
           <a:p>
             <a:r>
-              <a:rPr lang="fr-FR" smtClean="0"/>
+              <a:rPr lang="fr-FR"/>
               <a:t>Cliquez sur l'icône pour ajouter une image</a:t>
             </a:r>
             <a:endParaRPr lang="en-US" dirty="0"/>
@@ -5301,7 +5229,7 @@
           <a:p>
             <a:pPr lvl="0"/>
             <a:r>
-              <a:rPr lang="fr-FR" smtClean="0"/>
+              <a:rPr lang="fr-FR"/>
               <a:t>Modifiez les styles du texte du masque</a:t>
             </a:r>
           </a:p>
@@ -5346,10 +5274,9 @@
           <a:lstStyle/>
           <a:p>
             <a:r>
-              <a:rPr lang="fr-FR" smtClean="0"/>
+              <a:rPr lang="fr-FR"/>
               <a:t>CARREZ N. - DESERT L. | JUIN 2018</a:t>
             </a:r>
-            <a:endParaRPr lang="fr-FR"/>
           </a:p>
         </p:txBody>
       </p:sp>
@@ -5639,7 +5566,7 @@
           </a:lstStyle>
           <a:p>
             <a:r>
-              <a:rPr lang="fr-FR" smtClean="0"/>
+              <a:rPr lang="fr-FR"/>
               <a:t>Modifiez le style du titre</a:t>
             </a:r>
             <a:endParaRPr lang="en-US" dirty="0"/>
@@ -5759,7 +5686,7 @@
           <a:p>
             <a:pPr lvl="0"/>
             <a:r>
-              <a:rPr lang="fr-FR" smtClean="0"/>
+              <a:rPr lang="fr-FR"/>
               <a:t>Modifiez les styles du texte du masque</a:t>
             </a:r>
           </a:p>
@@ -5793,7 +5720,7 @@
           <a:p>
             <a:pPr lvl="0"/>
             <a:r>
-              <a:rPr lang="fr-FR" smtClean="0"/>
+              <a:rPr lang="fr-FR"/>
               <a:t>Modifiez les styles du texte du masque</a:t>
             </a:r>
           </a:p>
@@ -5838,10 +5765,9 @@
           <a:lstStyle/>
           <a:p>
             <a:r>
-              <a:rPr lang="fr-FR" smtClean="0"/>
+              <a:rPr lang="fr-FR"/>
               <a:t>CARREZ N. - DESERT L. | JUIN 2018</a:t>
             </a:r>
-            <a:endParaRPr lang="fr-FR"/>
           </a:p>
         </p:txBody>
       </p:sp>
@@ -6131,7 +6057,7 @@
           </a:lstStyle>
           <a:p>
             <a:r>
-              <a:rPr lang="fr-FR" smtClean="0"/>
+              <a:rPr lang="fr-FR"/>
               <a:t>Modifiez le style du titre</a:t>
             </a:r>
             <a:endParaRPr lang="en-US" dirty="0"/>
@@ -6166,7 +6092,7 @@
           <a:p>
             <a:pPr lvl="0"/>
             <a:r>
-              <a:rPr lang="fr-FR" smtClean="0"/>
+              <a:rPr lang="fr-FR"/>
               <a:t>Modifiez les styles du texte du masque</a:t>
             </a:r>
           </a:p>
@@ -6211,10 +6137,9 @@
           <a:lstStyle/>
           <a:p>
             <a:r>
-              <a:rPr lang="fr-FR" smtClean="0"/>
+              <a:rPr lang="fr-FR"/>
               <a:t>CARREZ N. - DESERT L. | JUIN 2018</a:t>
             </a:r>
-            <a:endParaRPr lang="fr-FR"/>
           </a:p>
         </p:txBody>
       </p:sp>
@@ -6390,7 +6315,7 @@
           <a:lstStyle/>
           <a:p>
             <a:r>
-              <a:rPr lang="fr-FR" smtClean="0"/>
+              <a:rPr lang="fr-FR"/>
               <a:t>Modifiez le style du titre</a:t>
             </a:r>
             <a:endParaRPr lang="en-US" dirty="0"/>
@@ -6414,35 +6339,35 @@
           <a:p>
             <a:pPr lvl="0"/>
             <a:r>
-              <a:rPr lang="fr-FR" smtClean="0"/>
+              <a:rPr lang="fr-FR"/>
               <a:t>Modifiez les styles du texte du masque</a:t>
             </a:r>
           </a:p>
           <a:p>
             <a:pPr lvl="1"/>
             <a:r>
-              <a:rPr lang="fr-FR" smtClean="0"/>
+              <a:rPr lang="fr-FR"/>
               <a:t>Deuxième niveau</a:t>
             </a:r>
           </a:p>
           <a:p>
             <a:pPr lvl="2"/>
             <a:r>
-              <a:rPr lang="fr-FR" smtClean="0"/>
+              <a:rPr lang="fr-FR"/>
               <a:t>Troisième niveau</a:t>
             </a:r>
           </a:p>
           <a:p>
             <a:pPr lvl="3"/>
             <a:r>
-              <a:rPr lang="fr-FR" smtClean="0"/>
+              <a:rPr lang="fr-FR"/>
               <a:t>Quatrième niveau</a:t>
             </a:r>
           </a:p>
           <a:p>
             <a:pPr lvl="4"/>
             <a:r>
-              <a:rPr lang="fr-FR" smtClean="0"/>
+              <a:rPr lang="fr-FR"/>
               <a:t>Cinquième niveau</a:t>
             </a:r>
             <a:endParaRPr lang="en-US" dirty="0"/>
@@ -6488,10 +6413,9 @@
           <a:lstStyle/>
           <a:p>
             <a:r>
-              <a:rPr lang="fr-FR" smtClean="0"/>
+              <a:rPr lang="fr-FR"/>
               <a:t>CARREZ N. - DESERT L. | JUIN 2018</a:t>
             </a:r>
-            <a:endParaRPr lang="fr-FR"/>
           </a:p>
         </p:txBody>
       </p:sp>
@@ -6674,7 +6598,7 @@
           <a:lstStyle/>
           <a:p>
             <a:r>
-              <a:rPr lang="fr-FR" smtClean="0"/>
+              <a:rPr lang="fr-FR"/>
               <a:t>Modifiez le style du titre</a:t>
             </a:r>
             <a:endParaRPr lang="en-US" dirty="0"/>
@@ -6703,35 +6627,35 @@
           <a:p>
             <a:pPr lvl="0"/>
             <a:r>
-              <a:rPr lang="fr-FR" smtClean="0"/>
+              <a:rPr lang="fr-FR"/>
               <a:t>Modifiez les styles du texte du masque</a:t>
             </a:r>
           </a:p>
           <a:p>
             <a:pPr lvl="1"/>
             <a:r>
-              <a:rPr lang="fr-FR" smtClean="0"/>
+              <a:rPr lang="fr-FR"/>
               <a:t>Deuxième niveau</a:t>
             </a:r>
           </a:p>
           <a:p>
             <a:pPr lvl="2"/>
             <a:r>
-              <a:rPr lang="fr-FR" smtClean="0"/>
+              <a:rPr lang="fr-FR"/>
               <a:t>Troisième niveau</a:t>
             </a:r>
           </a:p>
           <a:p>
             <a:pPr lvl="3"/>
             <a:r>
-              <a:rPr lang="fr-FR" smtClean="0"/>
+              <a:rPr lang="fr-FR"/>
               <a:t>Quatrième niveau</a:t>
             </a:r>
           </a:p>
           <a:p>
             <a:pPr lvl="4"/>
             <a:r>
-              <a:rPr lang="fr-FR" smtClean="0"/>
+              <a:rPr lang="fr-FR"/>
               <a:t>Cinquième niveau</a:t>
             </a:r>
             <a:endParaRPr lang="en-US" dirty="0"/>
@@ -6777,10 +6701,9 @@
           <a:lstStyle/>
           <a:p>
             <a:r>
-              <a:rPr lang="fr-FR" smtClean="0"/>
+              <a:rPr lang="fr-FR"/>
               <a:t>CARREZ N. - DESERT L. | JUIN 2018</a:t>
             </a:r>
-            <a:endParaRPr lang="fr-FR"/>
           </a:p>
         </p:txBody>
       </p:sp>
@@ -6869,7 +6792,7 @@
           <a:p>
             <a:pPr rtl="0"/>
             <a:r>
-              <a:rPr lang="fr-FR" noProof="0" smtClean="0"/>
+              <a:rPr lang="fr-FR" noProof="0"/>
               <a:t>Modifiez le style du titre</a:t>
             </a:r>
             <a:endParaRPr lang="fr-FR" noProof="0" dirty="0"/>
@@ -6945,7 +6868,7 @@
           <a:p>
             <a:pPr lvl="0" rtl="0"/>
             <a:r>
-              <a:rPr lang="fr-FR" noProof="0" smtClean="0"/>
+              <a:rPr lang="fr-FR" noProof="0"/>
               <a:t>Modifiez les styles du texte du masque</a:t>
             </a:r>
           </a:p>
@@ -6961,21 +6884,6 @@
   <p:clrMapOvr>
     <a:masterClrMapping/>
   </p:clrMapOvr>
-  <mc:AlternateContent xmlns:mc="http://schemas.openxmlformats.org/markup-compatibility/2006" xmlns:p14="http://schemas.microsoft.com/office/powerpoint/2010/main">
-    <mc:Choice Requires="p14">
-      <p:transition spd="slow" p14:dur="2000"/>
-    </mc:Choice>
-    <mc:Fallback xmlns="">
-      <p:transition spd="slow"/>
-    </mc:Fallback>
-  </mc:AlternateContent>
-  <p:timing>
-    <p:tnLst>
-      <p:par>
-        <p:cTn id="1" dur="indefinite" restart="never" nodeType="tmRoot"/>
-      </p:par>
-    </p:tnLst>
-  </p:timing>
 </p:sldLayout>
 </file>
 
@@ -7013,7 +6921,7 @@
           <a:p>
             <a:pPr rtl="0"/>
             <a:r>
-              <a:rPr lang="fr-FR" noProof="0" smtClean="0"/>
+              <a:rPr lang="fr-FR" noProof="0"/>
               <a:t>Modifiez le style du titre</a:t>
             </a:r>
             <a:endParaRPr lang="fr-FR" noProof="0" dirty="0"/>
@@ -7072,35 +6980,35 @@
           <a:p>
             <a:pPr lvl="0" rtl="0"/>
             <a:r>
-              <a:rPr lang="fr-FR" noProof="0" smtClean="0"/>
+              <a:rPr lang="fr-FR" noProof="0"/>
               <a:t>Modifiez les styles du texte du masque</a:t>
             </a:r>
           </a:p>
           <a:p>
             <a:pPr lvl="1" rtl="0"/>
             <a:r>
-              <a:rPr lang="fr-FR" noProof="0" smtClean="0"/>
+              <a:rPr lang="fr-FR" noProof="0"/>
               <a:t>Deuxième niveau</a:t>
             </a:r>
           </a:p>
           <a:p>
             <a:pPr lvl="2" rtl="0"/>
             <a:r>
-              <a:rPr lang="fr-FR" noProof="0" smtClean="0"/>
+              <a:rPr lang="fr-FR" noProof="0"/>
               <a:t>Troisième niveau</a:t>
             </a:r>
           </a:p>
           <a:p>
             <a:pPr lvl="3" rtl="0"/>
             <a:r>
-              <a:rPr lang="fr-FR" noProof="0" smtClean="0"/>
+              <a:rPr lang="fr-FR" noProof="0"/>
               <a:t>Quatrième niveau</a:t>
             </a:r>
           </a:p>
           <a:p>
             <a:pPr lvl="4" rtl="0"/>
             <a:r>
-              <a:rPr lang="fr-FR" noProof="0" smtClean="0"/>
+              <a:rPr lang="fr-FR" noProof="0"/>
               <a:t>Cinquième niveau</a:t>
             </a:r>
             <a:endParaRPr lang="fr-FR" noProof="0" dirty="0"/>
@@ -7159,35 +7067,35 @@
           <a:p>
             <a:pPr lvl="0" rtl="0"/>
             <a:r>
-              <a:rPr lang="fr-FR" noProof="0" smtClean="0"/>
+              <a:rPr lang="fr-FR" noProof="0"/>
               <a:t>Modifiez les styles du texte du masque</a:t>
             </a:r>
           </a:p>
           <a:p>
             <a:pPr lvl="1" rtl="0"/>
             <a:r>
-              <a:rPr lang="fr-FR" noProof="0" smtClean="0"/>
+              <a:rPr lang="fr-FR" noProof="0"/>
               <a:t>Deuxième niveau</a:t>
             </a:r>
           </a:p>
           <a:p>
             <a:pPr lvl="2" rtl="0"/>
             <a:r>
-              <a:rPr lang="fr-FR" noProof="0" smtClean="0"/>
+              <a:rPr lang="fr-FR" noProof="0"/>
               <a:t>Troisième niveau</a:t>
             </a:r>
           </a:p>
           <a:p>
             <a:pPr lvl="3" rtl="0"/>
             <a:r>
-              <a:rPr lang="fr-FR" noProof="0" smtClean="0"/>
+              <a:rPr lang="fr-FR" noProof="0"/>
               <a:t>Quatrième niveau</a:t>
             </a:r>
           </a:p>
           <a:p>
             <a:pPr lvl="4" rtl="0"/>
             <a:r>
-              <a:rPr lang="fr-FR" noProof="0" smtClean="0"/>
+              <a:rPr lang="fr-FR" noProof="0"/>
               <a:t>Cinquième niveau</a:t>
             </a:r>
             <a:endParaRPr lang="fr-FR" noProof="0" dirty="0"/>
@@ -7237,10 +7145,9 @@
           <a:lstStyle/>
           <a:p>
             <a:r>
-              <a:rPr lang="fr-FR" smtClean="0"/>
+              <a:rPr lang="fr-FR"/>
               <a:t>CARREZ N. - DESERT L. | JUIN 2018</a:t>
             </a:r>
-            <a:endParaRPr lang="fr-FR"/>
           </a:p>
         </p:txBody>
       </p:sp>
@@ -7281,21 +7188,6 @@
   <p:clrMapOvr>
     <a:masterClrMapping/>
   </p:clrMapOvr>
-  <mc:AlternateContent xmlns:mc="http://schemas.openxmlformats.org/markup-compatibility/2006" xmlns:p14="http://schemas.microsoft.com/office/powerpoint/2010/main">
-    <mc:Choice Requires="p14">
-      <p:transition spd="slow" p14:dur="2000"/>
-    </mc:Choice>
-    <mc:Fallback xmlns="">
-      <p:transition spd="slow"/>
-    </mc:Fallback>
-  </mc:AlternateContent>
-  <p:timing>
-    <p:tnLst>
-      <p:par>
-        <p:cTn id="1" dur="indefinite" restart="never" nodeType="tmRoot"/>
-      </p:par>
-    </p:tnLst>
-  </p:timing>
 </p:sldLayout>
 </file>
 
@@ -7333,7 +7225,7 @@
           <a:p>
             <a:pPr rtl="0"/>
             <a:r>
-              <a:rPr lang="fr-FR" noProof="0" smtClean="0"/>
+              <a:rPr lang="fr-FR" noProof="0"/>
               <a:t>Modifiez le style du titre</a:t>
             </a:r>
             <a:endParaRPr lang="fr-FR" noProof="0" dirty="0"/>
@@ -7408,7 +7300,7 @@
           <a:p>
             <a:pPr lvl="0" rtl="0"/>
             <a:r>
-              <a:rPr lang="fr-FR" noProof="0" smtClean="0"/>
+              <a:rPr lang="fr-FR" noProof="0"/>
               <a:t>Modifiez les styles du texte du masque</a:t>
             </a:r>
           </a:p>
@@ -7466,35 +7358,35 @@
           <a:p>
             <a:pPr lvl="0" rtl="0"/>
             <a:r>
-              <a:rPr lang="fr-FR" noProof="0" smtClean="0"/>
+              <a:rPr lang="fr-FR" noProof="0"/>
               <a:t>Modifiez les styles du texte du masque</a:t>
             </a:r>
           </a:p>
           <a:p>
             <a:pPr lvl="1" rtl="0"/>
             <a:r>
-              <a:rPr lang="fr-FR" noProof="0" smtClean="0"/>
+              <a:rPr lang="fr-FR" noProof="0"/>
               <a:t>Deuxième niveau</a:t>
             </a:r>
           </a:p>
           <a:p>
             <a:pPr lvl="2" rtl="0"/>
             <a:r>
-              <a:rPr lang="fr-FR" noProof="0" smtClean="0"/>
+              <a:rPr lang="fr-FR" noProof="0"/>
               <a:t>Troisième niveau</a:t>
             </a:r>
           </a:p>
           <a:p>
             <a:pPr lvl="3" rtl="0"/>
             <a:r>
-              <a:rPr lang="fr-FR" noProof="0" smtClean="0"/>
+              <a:rPr lang="fr-FR" noProof="0"/>
               <a:t>Quatrième niveau</a:t>
             </a:r>
           </a:p>
           <a:p>
             <a:pPr lvl="4" rtl="0"/>
             <a:r>
-              <a:rPr lang="fr-FR" noProof="0" smtClean="0"/>
+              <a:rPr lang="fr-FR" noProof="0"/>
               <a:t>Cinquième niveau</a:t>
             </a:r>
             <a:endParaRPr lang="fr-FR" noProof="0" dirty="0"/>
@@ -7569,7 +7461,7 @@
           <a:p>
             <a:pPr lvl="0" rtl="0"/>
             <a:r>
-              <a:rPr lang="fr-FR" noProof="0" smtClean="0"/>
+              <a:rPr lang="fr-FR" noProof="0"/>
               <a:t>Modifiez les styles du texte du masque</a:t>
             </a:r>
           </a:p>
@@ -7627,35 +7519,35 @@
           <a:p>
             <a:pPr lvl="0" rtl="0"/>
             <a:r>
-              <a:rPr lang="fr-FR" noProof="0" smtClean="0"/>
+              <a:rPr lang="fr-FR" noProof="0"/>
               <a:t>Modifiez les styles du texte du masque</a:t>
             </a:r>
           </a:p>
           <a:p>
             <a:pPr lvl="1" rtl="0"/>
             <a:r>
-              <a:rPr lang="fr-FR" noProof="0" smtClean="0"/>
+              <a:rPr lang="fr-FR" noProof="0"/>
               <a:t>Deuxième niveau</a:t>
             </a:r>
           </a:p>
           <a:p>
             <a:pPr lvl="2" rtl="0"/>
             <a:r>
-              <a:rPr lang="fr-FR" noProof="0" smtClean="0"/>
+              <a:rPr lang="fr-FR" noProof="0"/>
               <a:t>Troisième niveau</a:t>
             </a:r>
           </a:p>
           <a:p>
             <a:pPr lvl="3" rtl="0"/>
             <a:r>
-              <a:rPr lang="fr-FR" noProof="0" smtClean="0"/>
+              <a:rPr lang="fr-FR" noProof="0"/>
               <a:t>Quatrième niveau</a:t>
             </a:r>
           </a:p>
           <a:p>
             <a:pPr lvl="4" rtl="0"/>
             <a:r>
-              <a:rPr lang="fr-FR" noProof="0" smtClean="0"/>
+              <a:rPr lang="fr-FR" noProof="0"/>
               <a:t>Cinquième niveau</a:t>
             </a:r>
             <a:endParaRPr lang="fr-FR" noProof="0" dirty="0"/>
@@ -7705,10 +7597,9 @@
           <a:lstStyle/>
           <a:p>
             <a:r>
-              <a:rPr lang="fr-FR" smtClean="0"/>
+              <a:rPr lang="fr-FR"/>
               <a:t>CARREZ N. - DESERT L. | JUIN 2018</a:t>
             </a:r>
-            <a:endParaRPr lang="fr-FR"/>
           </a:p>
         </p:txBody>
       </p:sp>
@@ -7749,21 +7640,6 @@
   <p:clrMapOvr>
     <a:masterClrMapping/>
   </p:clrMapOvr>
-  <mc:AlternateContent xmlns:mc="http://schemas.openxmlformats.org/markup-compatibility/2006" xmlns:p14="http://schemas.microsoft.com/office/powerpoint/2010/main">
-    <mc:Choice Requires="p14">
-      <p:transition spd="slow" p14:dur="2000"/>
-    </mc:Choice>
-    <mc:Fallback xmlns="">
-      <p:transition spd="slow"/>
-    </mc:Fallback>
-  </mc:AlternateContent>
-  <p:timing>
-    <p:tnLst>
-      <p:par>
-        <p:cTn id="1" dur="indefinite" restart="never" nodeType="tmRoot"/>
-      </p:par>
-    </p:tnLst>
-  </p:timing>
 </p:sldLayout>
 </file>
 
@@ -7801,7 +7677,7 @@
           <a:p>
             <a:pPr rtl="0"/>
             <a:r>
-              <a:rPr lang="fr-FR" noProof="0" smtClean="0"/>
+              <a:rPr lang="fr-FR" noProof="0"/>
               <a:t>Modifiez le style du titre</a:t>
             </a:r>
             <a:endParaRPr lang="fr-FR" noProof="0" dirty="0"/>
@@ -7851,10 +7727,9 @@
           <a:lstStyle/>
           <a:p>
             <a:r>
-              <a:rPr lang="fr-FR" smtClean="0"/>
+              <a:rPr lang="fr-FR"/>
               <a:t>CARREZ N. - DESERT L. | JUIN 2018</a:t>
             </a:r>
-            <a:endParaRPr lang="fr-FR"/>
           </a:p>
         </p:txBody>
       </p:sp>
@@ -7895,21 +7770,6 @@
   <p:clrMapOvr>
     <a:masterClrMapping/>
   </p:clrMapOvr>
-  <mc:AlternateContent xmlns:mc="http://schemas.openxmlformats.org/markup-compatibility/2006" xmlns:p14="http://schemas.microsoft.com/office/powerpoint/2010/main">
-    <mc:Choice Requires="p14">
-      <p:transition spd="slow" p14:dur="2000"/>
-    </mc:Choice>
-    <mc:Fallback xmlns="">
-      <p:transition spd="slow"/>
-    </mc:Fallback>
-  </mc:AlternateContent>
-  <p:timing>
-    <p:tnLst>
-      <p:par>
-        <p:cTn id="1" dur="indefinite" restart="never" nodeType="tmRoot"/>
-      </p:par>
-    </p:tnLst>
-  </p:timing>
 </p:sldLayout>
 </file>
 
@@ -7973,10 +7833,9 @@
           <a:lstStyle/>
           <a:p>
             <a:r>
-              <a:rPr lang="fr-FR" smtClean="0"/>
+              <a:rPr lang="fr-FR"/>
               <a:t>CARREZ N. - DESERT L. | JUIN 2018</a:t>
             </a:r>
-            <a:endParaRPr lang="fr-FR"/>
           </a:p>
         </p:txBody>
       </p:sp>
@@ -8017,21 +7876,6 @@
   <p:clrMapOvr>
     <a:masterClrMapping/>
   </p:clrMapOvr>
-  <mc:AlternateContent xmlns:mc="http://schemas.openxmlformats.org/markup-compatibility/2006" xmlns:p14="http://schemas.microsoft.com/office/powerpoint/2010/main">
-    <mc:Choice Requires="p14">
-      <p:transition spd="slow" p14:dur="2000"/>
-    </mc:Choice>
-    <mc:Fallback xmlns="">
-      <p:transition spd="slow"/>
-    </mc:Fallback>
-  </mc:AlternateContent>
-  <p:timing>
-    <p:tnLst>
-      <p:par>
-        <p:cTn id="1" dur="indefinite" restart="never" nodeType="tmRoot"/>
-      </p:par>
-    </p:tnLst>
-  </p:timing>
 </p:sldLayout>
 </file>
 
@@ -8080,7 +7924,7 @@
           <a:p>
             <a:pPr rtl="0"/>
             <a:r>
-              <a:rPr lang="fr-FR" noProof="0" smtClean="0"/>
+              <a:rPr lang="fr-FR" noProof="0"/>
               <a:t>Modifiez le style du titre</a:t>
             </a:r>
             <a:endParaRPr lang="fr-FR" noProof="0" dirty="0"/>
@@ -8139,35 +7983,35 @@
           <a:p>
             <a:pPr lvl="0" rtl="0"/>
             <a:r>
-              <a:rPr lang="fr-FR" noProof="0" smtClean="0"/>
+              <a:rPr lang="fr-FR" noProof="0"/>
               <a:t>Modifiez les styles du texte du masque</a:t>
             </a:r>
           </a:p>
           <a:p>
             <a:pPr lvl="1" rtl="0"/>
             <a:r>
-              <a:rPr lang="fr-FR" noProof="0" smtClean="0"/>
+              <a:rPr lang="fr-FR" noProof="0"/>
               <a:t>Deuxième niveau</a:t>
             </a:r>
           </a:p>
           <a:p>
             <a:pPr lvl="2" rtl="0"/>
             <a:r>
-              <a:rPr lang="fr-FR" noProof="0" smtClean="0"/>
+              <a:rPr lang="fr-FR" noProof="0"/>
               <a:t>Troisième niveau</a:t>
             </a:r>
           </a:p>
           <a:p>
             <a:pPr lvl="3" rtl="0"/>
             <a:r>
-              <a:rPr lang="fr-FR" noProof="0" smtClean="0"/>
+              <a:rPr lang="fr-FR" noProof="0"/>
               <a:t>Quatrième niveau</a:t>
             </a:r>
           </a:p>
           <a:p>
             <a:pPr lvl="4" rtl="0"/>
             <a:r>
-              <a:rPr lang="fr-FR" noProof="0" smtClean="0"/>
+              <a:rPr lang="fr-FR" noProof="0"/>
               <a:t>Cinquième niveau</a:t>
             </a:r>
             <a:endParaRPr lang="fr-FR" noProof="0" dirty="0"/>
@@ -8236,7 +8080,7 @@
           <a:p>
             <a:pPr lvl="0" rtl="0"/>
             <a:r>
-              <a:rPr lang="fr-FR" noProof="0" smtClean="0"/>
+              <a:rPr lang="fr-FR" noProof="0"/>
               <a:t>Modifiez les styles du texte du masque</a:t>
             </a:r>
           </a:p>
@@ -8285,10 +8129,9 @@
           <a:lstStyle/>
           <a:p>
             <a:r>
-              <a:rPr lang="fr-FR" smtClean="0"/>
+              <a:rPr lang="fr-FR"/>
               <a:t>CARREZ N. - DESERT L. | JUIN 2018</a:t>
             </a:r>
-            <a:endParaRPr lang="fr-FR"/>
           </a:p>
         </p:txBody>
       </p:sp>
@@ -8329,21 +8172,6 @@
   <p:clrMapOvr>
     <a:masterClrMapping/>
   </p:clrMapOvr>
-  <mc:AlternateContent xmlns:mc="http://schemas.openxmlformats.org/markup-compatibility/2006" xmlns:p14="http://schemas.microsoft.com/office/powerpoint/2010/main">
-    <mc:Choice Requires="p14">
-      <p:transition spd="slow" p14:dur="2000"/>
-    </mc:Choice>
-    <mc:Fallback xmlns="">
-      <p:transition spd="slow"/>
-    </mc:Fallback>
-  </mc:AlternateContent>
-  <p:timing>
-    <p:tnLst>
-      <p:par>
-        <p:cTn id="1" dur="indefinite" restart="never" nodeType="tmRoot"/>
-      </p:par>
-    </p:tnLst>
-  </p:timing>
 </p:sldLayout>
 </file>
 
@@ -8441,7 +8269,7 @@
           <a:p>
             <a:pPr rtl="0"/>
             <a:r>
-              <a:rPr lang="fr-FR" noProof="0" smtClean="0"/>
+              <a:rPr lang="fr-FR" noProof="0"/>
               <a:t>Modifiez le style du titre</a:t>
             </a:r>
             <a:endParaRPr lang="fr-FR" noProof="0" dirty="0"/>
@@ -8509,7 +8337,7 @@
           <a:p>
             <a:pPr rtl="0"/>
             <a:r>
-              <a:rPr lang="fr-FR" noProof="0" smtClean="0"/>
+              <a:rPr lang="fr-FR" noProof="0"/>
               <a:t>Cliquez sur l'icône pour ajouter une image</a:t>
             </a:r>
             <a:endParaRPr lang="fr-FR" noProof="0" dirty="0"/>
@@ -8578,7 +8406,7 @@
           <a:p>
             <a:pPr lvl="0" rtl="0"/>
             <a:r>
-              <a:rPr lang="fr-FR" noProof="0" smtClean="0"/>
+              <a:rPr lang="fr-FR" noProof="0"/>
               <a:t>Modifiez les styles du texte du masque</a:t>
             </a:r>
           </a:p>
@@ -8627,10 +8455,9 @@
           <a:lstStyle/>
           <a:p>
             <a:r>
-              <a:rPr lang="fr-FR" smtClean="0"/>
+              <a:rPr lang="fr-FR"/>
               <a:t>CARREZ N. - DESERT L. | JUIN 2018</a:t>
             </a:r>
-            <a:endParaRPr lang="fr-FR"/>
           </a:p>
         </p:txBody>
       </p:sp>
@@ -8671,21 +8498,6 @@
   <p:clrMapOvr>
     <a:masterClrMapping/>
   </p:clrMapOvr>
-  <mc:AlternateContent xmlns:mc="http://schemas.openxmlformats.org/markup-compatibility/2006" xmlns:p14="http://schemas.microsoft.com/office/powerpoint/2010/main">
-    <mc:Choice Requires="p14">
-      <p:transition spd="slow" p14:dur="2000"/>
-    </mc:Choice>
-    <mc:Fallback xmlns="">
-      <p:transition spd="slow"/>
-    </mc:Fallback>
-  </mc:AlternateContent>
-  <p:timing>
-    <p:tnLst>
-      <p:par>
-        <p:cTn id="1" dur="indefinite" restart="never" nodeType="tmRoot"/>
-      </p:par>
-    </p:tnLst>
-  </p:timing>
 </p:sldLayout>
 </file>
 
@@ -8738,10 +8550,9 @@
           <a:p>
             <a:pPr rtl="0"/>
             <a:r>
-              <a:rPr lang="fr-FR" noProof="0" dirty="0" smtClean="0"/>
+              <a:rPr lang="fr-FR" noProof="0" dirty="0"/>
               <a:t>Modifiez le style du titre</a:t>
             </a:r>
-            <a:endParaRPr lang="fr-FR" noProof="0" dirty="0"/>
           </a:p>
         </p:txBody>
       </p:sp>
@@ -8772,38 +8583,37 @@
           <a:p>
             <a:pPr lvl="0" rtl="0"/>
             <a:r>
-              <a:rPr lang="fr-FR" noProof="0" dirty="0" smtClean="0"/>
+              <a:rPr lang="fr-FR" noProof="0" dirty="0"/>
               <a:t>Modifiez les styles du texte du masque</a:t>
             </a:r>
           </a:p>
           <a:p>
             <a:pPr lvl="1" rtl="0"/>
             <a:r>
-              <a:rPr lang="fr-FR" noProof="0" dirty="0" smtClean="0"/>
+              <a:rPr lang="fr-FR" noProof="0" dirty="0"/>
               <a:t>Deuxième niveau</a:t>
             </a:r>
           </a:p>
           <a:p>
             <a:pPr lvl="2" rtl="0"/>
             <a:r>
-              <a:rPr lang="fr-FR" noProof="0" dirty="0" smtClean="0"/>
+              <a:rPr lang="fr-FR" noProof="0" dirty="0"/>
               <a:t>Troisième niveau</a:t>
             </a:r>
           </a:p>
           <a:p>
             <a:pPr lvl="3" rtl="0"/>
             <a:r>
-              <a:rPr lang="fr-FR" noProof="0" dirty="0" smtClean="0"/>
+              <a:rPr lang="fr-FR" noProof="0" dirty="0"/>
               <a:t>Quatrième niveau</a:t>
             </a:r>
           </a:p>
           <a:p>
             <a:pPr lvl="4" rtl="0"/>
             <a:r>
-              <a:rPr lang="fr-FR" noProof="0" dirty="0" smtClean="0"/>
+              <a:rPr lang="fr-FR" noProof="0" dirty="0"/>
               <a:t>Cinquième niveau</a:t>
             </a:r>
-            <a:endParaRPr lang="fr-FR" noProof="0" dirty="0"/>
           </a:p>
         </p:txBody>
       </p:sp>
@@ -8882,10 +8692,9 @@
           </a:lstStyle>
           <a:p>
             <a:r>
-              <a:rPr lang="fr-FR" smtClean="0"/>
+              <a:rPr lang="fr-FR"/>
               <a:t>CARREZ N. - DESERT L. | JUIN 2018</a:t>
             </a:r>
-            <a:endParaRPr lang="fr-FR"/>
           </a:p>
         </p:txBody>
       </p:sp>
@@ -8951,21 +8760,6 @@
     <p:sldLayoutId id="2147483670" r:id="rId10"/>
     <p:sldLayoutId id="2147483671" r:id="rId11"/>
   </p:sldLayoutIdLst>
-  <mc:AlternateContent xmlns:mc="http://schemas.openxmlformats.org/markup-compatibility/2006" xmlns:p14="http://schemas.microsoft.com/office/powerpoint/2010/main">
-    <mc:Choice Requires="p14">
-      <p:transition spd="slow" p14:dur="2000"/>
-    </mc:Choice>
-    <mc:Fallback xmlns="">
-      <p:transition spd="slow"/>
-    </mc:Fallback>
-  </mc:AlternateContent>
-  <p:timing>
-    <p:tnLst>
-      <p:par>
-        <p:cTn id="1" dur="indefinite" restart="never" nodeType="tmRoot"/>
-      </p:par>
-    </p:tnLst>
-  </p:timing>
   <p:hf sldNum="0" hdr="0" dt="0"/>
   <p:txStyles>
     <p:titleStyle>
@@ -9358,7 +9152,7 @@
           <a:lstStyle/>
           <a:p>
             <a:r>
-              <a:rPr lang="fr-FR" smtClean="0"/>
+              <a:rPr lang="fr-FR"/>
               <a:t>Modifiez le style du titre</a:t>
             </a:r>
             <a:endParaRPr lang="en-US" dirty="0"/>
@@ -9399,35 +9193,35 @@
           <a:p>
             <a:pPr lvl="0"/>
             <a:r>
-              <a:rPr lang="fr-FR" smtClean="0"/>
+              <a:rPr lang="fr-FR"/>
               <a:t>Modifiez les styles du texte du masque</a:t>
             </a:r>
           </a:p>
           <a:p>
             <a:pPr lvl="1"/>
             <a:r>
-              <a:rPr lang="fr-FR" smtClean="0"/>
+              <a:rPr lang="fr-FR"/>
               <a:t>Deuxième niveau</a:t>
             </a:r>
           </a:p>
           <a:p>
             <a:pPr lvl="2"/>
             <a:r>
-              <a:rPr lang="fr-FR" smtClean="0"/>
+              <a:rPr lang="fr-FR"/>
               <a:t>Troisième niveau</a:t>
             </a:r>
           </a:p>
           <a:p>
             <a:pPr lvl="3"/>
             <a:r>
-              <a:rPr lang="fr-FR" smtClean="0"/>
+              <a:rPr lang="fr-FR"/>
               <a:t>Quatrième niveau</a:t>
             </a:r>
           </a:p>
           <a:p>
             <a:pPr lvl="4"/>
             <a:r>
-              <a:rPr lang="fr-FR" smtClean="0"/>
+              <a:rPr lang="fr-FR"/>
               <a:t>Cinquième niveau</a:t>
             </a:r>
             <a:endParaRPr lang="en-US" dirty="0"/>
@@ -9466,10 +9260,9 @@
           </a:lstStyle>
           <a:p>
             <a:r>
-              <a:rPr lang="fr-FR" smtClean="0"/>
+              <a:rPr lang="fr-FR"/>
               <a:t>CARREZ N. - DESERT L. | JUIN 2018</a:t>
             </a:r>
-            <a:endParaRPr lang="fr-FR"/>
           </a:p>
         </p:txBody>
       </p:sp>
@@ -10025,17 +9818,16 @@
           <a:lstStyle/>
           <a:p>
             <a:r>
-              <a:rPr lang="fr-FR" dirty="0" smtClean="0"/>
+              <a:rPr lang="fr-FR" dirty="0"/>
               <a:t>INTERFACES POUR</a:t>
             </a:r>
             <a:br>
-              <a:rPr lang="fr-FR" dirty="0" smtClean="0"/>
+              <a:rPr lang="fr-FR" dirty="0"/>
             </a:br>
             <a:r>
-              <a:rPr lang="fr-FR" dirty="0" smtClean="0"/>
+              <a:rPr lang="fr-FR" dirty="0"/>
               <a:t>GESTION DE COMMANDES</a:t>
             </a:r>
-            <a:endParaRPr lang="fr-FR" dirty="0"/>
           </a:p>
         </p:txBody>
       </p:sp>
@@ -10055,7 +9847,7 @@
           <a:lstStyle/>
           <a:p>
             <a:r>
-              <a:rPr lang="fr-FR" dirty="0" smtClean="0">
+              <a:rPr lang="fr-FR" dirty="0">
                 <a:solidFill>
                   <a:srgbClr val="00CC99"/>
                 </a:solidFill>
@@ -10065,18 +9857,13 @@
           </a:p>
           <a:p>
             <a:r>
-              <a:rPr lang="fr-FR" dirty="0" smtClean="0">
+              <a:rPr lang="fr-FR" dirty="0">
                 <a:solidFill>
                   <a:srgbClr val="00CC99"/>
                 </a:solidFill>
               </a:rPr>
               <a:t>JUIN 2018</a:t>
             </a:r>
-            <a:endParaRPr lang="fr-FR" dirty="0">
-              <a:solidFill>
-                <a:srgbClr val="00CC99"/>
-              </a:solidFill>
-            </a:endParaRPr>
           </a:p>
         </p:txBody>
       </p:sp>
@@ -10120,13 +9907,6 @@
   <p:clrMapOvr>
     <a:masterClrMapping/>
   </p:clrMapOvr>
-  <p:timing>
-    <p:tnLst>
-      <p:par>
-        <p:cTn id="1" dur="indefinite" restart="never" nodeType="tmRoot"/>
-      </p:par>
-    </p:tnLst>
-  </p:timing>
 </p:sld>
 </file>
 
@@ -10163,10 +9943,9 @@
           <a:lstStyle/>
           <a:p>
             <a:r>
-              <a:rPr lang="fr-FR" dirty="0" smtClean="0"/>
+              <a:rPr lang="fr-FR" dirty="0"/>
               <a:t>CONCLUSION</a:t>
             </a:r>
-            <a:endParaRPr lang="fr-FR" dirty="0"/>
           </a:p>
         </p:txBody>
       </p:sp>
@@ -10186,10 +9965,9 @@
           <a:lstStyle/>
           <a:p>
             <a:r>
-              <a:rPr lang="fr-FR" dirty="0" smtClean="0"/>
+              <a:rPr lang="fr-FR" dirty="0"/>
               <a:t>Avancement du projet</a:t>
             </a:r>
-            <a:endParaRPr lang="fr-FR" dirty="0"/>
           </a:p>
         </p:txBody>
       </p:sp>
@@ -10212,7 +9990,7 @@
               <a:buNone/>
             </a:pPr>
             <a:r>
-              <a:rPr lang="fr-FR" dirty="0" smtClean="0"/>
+              <a:rPr lang="fr-FR" dirty="0"/>
               <a:t>Projet non mené à bien</a:t>
             </a:r>
           </a:p>
@@ -10222,14 +10000,14 @@
               <a:buAutoNum type="arabicPeriod"/>
             </a:pPr>
             <a:r>
-              <a:rPr lang="fr-FR" dirty="0" smtClean="0"/>
+              <a:rPr lang="fr-FR" dirty="0"/>
               <a:t>Grosses difficultés sur le Bluetooth</a:t>
             </a:r>
             <a:br>
-              <a:rPr lang="fr-FR" dirty="0" smtClean="0"/>
+              <a:rPr lang="fr-FR" dirty="0"/>
             </a:br>
             <a:r>
-              <a:rPr lang="fr-FR" dirty="0" smtClean="0"/>
+              <a:rPr lang="fr-FR" dirty="0"/>
               <a:t>(Android ET STM32)</a:t>
             </a:r>
           </a:p>
@@ -10239,14 +10017,14 @@
               <a:buAutoNum type="arabicPeriod"/>
             </a:pPr>
             <a:r>
-              <a:rPr lang="fr-FR" dirty="0" smtClean="0"/>
+              <a:rPr lang="fr-FR" dirty="0"/>
               <a:t>Problèmes matériels</a:t>
             </a:r>
             <a:br>
-              <a:rPr lang="fr-FR" dirty="0" smtClean="0"/>
+              <a:rPr lang="fr-FR" dirty="0"/>
             </a:br>
             <a:r>
-              <a:rPr lang="fr-FR" dirty="0" smtClean="0"/>
+              <a:rPr lang="fr-FR" dirty="0"/>
               <a:t>(Module Bluetooth ET Testeur)</a:t>
             </a:r>
           </a:p>
@@ -10256,14 +10034,14 @@
               <a:buAutoNum type="arabicPeriod"/>
             </a:pPr>
             <a:r>
-              <a:rPr lang="fr-FR" dirty="0" smtClean="0"/>
+              <a:rPr lang="fr-FR" dirty="0"/>
               <a:t>Problèmes de mémoires</a:t>
             </a:r>
             <a:br>
-              <a:rPr lang="fr-FR" dirty="0" smtClean="0"/>
+              <a:rPr lang="fr-FR" dirty="0"/>
             </a:br>
             <a:r>
-              <a:rPr lang="fr-FR" dirty="0" smtClean="0"/>
+              <a:rPr lang="fr-FR" dirty="0"/>
               <a:t>(Android ET STM32)</a:t>
             </a:r>
           </a:p>
@@ -10271,14 +10049,14 @@
             <a:pPr marL="57150" indent="0">
               <a:buNone/>
             </a:pPr>
-            <a:endParaRPr lang="fr-FR" dirty="0" smtClean="0"/>
+            <a:endParaRPr lang="fr-FR" dirty="0"/>
           </a:p>
           <a:p>
             <a:pPr marL="57150" indent="0">
               <a:buNone/>
             </a:pPr>
             <a:r>
-              <a:rPr lang="fr-FR" dirty="0" smtClean="0"/>
+              <a:rPr lang="fr-FR" dirty="0"/>
               <a:t>Mais la base est solide et peut être réutilisée.</a:t>
             </a:r>
           </a:p>
@@ -10300,10 +10078,9 @@
           <a:lstStyle/>
           <a:p>
             <a:r>
-              <a:rPr lang="fr-FR" dirty="0" smtClean="0"/>
+              <a:rPr lang="fr-FR" dirty="0"/>
               <a:t>Comparatif</a:t>
             </a:r>
-            <a:endParaRPr lang="fr-FR" dirty="0"/>
           </a:p>
         </p:txBody>
       </p:sp>
@@ -10326,7 +10103,7 @@
               <a:buNone/>
             </a:pPr>
             <a:r>
-              <a:rPr lang="fr-FR" dirty="0" smtClean="0"/>
+              <a:rPr lang="fr-FR" dirty="0"/>
               <a:t>Résultat différent de l’attendu.</a:t>
             </a:r>
           </a:p>
@@ -10335,11 +10112,11 @@
               <a:buNone/>
             </a:pPr>
             <a:r>
-              <a:rPr lang="fr-FR" dirty="0" smtClean="0"/>
+              <a:rPr lang="fr-FR" dirty="0"/>
               <a:t>Parties programmation et Bluetooth plus longues que prévues.</a:t>
             </a:r>
             <a:br>
-              <a:rPr lang="fr-FR" dirty="0" smtClean="0"/>
+              <a:rPr lang="fr-FR" dirty="0"/>
             </a:br>
             <a:endParaRPr lang="fr-FR" dirty="0"/>
           </a:p>
@@ -10361,10 +10138,9 @@
           <a:lstStyle/>
           <a:p>
             <a:r>
-              <a:rPr lang="fr-FR" smtClean="0"/>
+              <a:rPr lang="fr-FR"/>
               <a:t>CARREZ N. - DESERT L. | JUIN 2018</a:t>
             </a:r>
-            <a:endParaRPr lang="fr-FR"/>
           </a:p>
         </p:txBody>
       </p:sp>
@@ -10414,10 +10190,9 @@
           <a:lstStyle/>
           <a:p>
             <a:r>
-              <a:rPr lang="fr-FR" dirty="0" smtClean="0"/>
+              <a:rPr lang="fr-FR" dirty="0"/>
               <a:t>INTRODUCTION</a:t>
             </a:r>
-            <a:endParaRPr lang="fr-FR" dirty="0"/>
           </a:p>
         </p:txBody>
       </p:sp>
@@ -10481,7 +10256,6 @@
               <a:rPr lang="fr-FR" dirty="0"/>
               <a:t>Afficher des images qui correspondent aux produits.</a:t>
             </a:r>
-            <a:endParaRPr lang="fr-FR" dirty="0"/>
           </a:p>
         </p:txBody>
       </p:sp>
@@ -10504,7 +10278,7 @@
               <a:buNone/>
             </a:pPr>
             <a:r>
-              <a:rPr lang="fr-FR" dirty="0" smtClean="0"/>
+              <a:rPr lang="fr-FR" dirty="0"/>
               <a:t>Contexte :</a:t>
             </a:r>
           </a:p>
@@ -10516,16 +10290,21 @@
           </a:p>
           <a:p>
             <a:r>
-              <a:rPr lang="fr-FR" dirty="0" smtClean="0"/>
-              <a:t>Une entreprise emploi des personnes en difficultés.</a:t>
-            </a:r>
-          </a:p>
-          <a:p>
-            <a:r>
-              <a:rPr lang="fr-FR" dirty="0" smtClean="0"/>
-              <a:t>Ces personnes ont besoins d’aide.</a:t>
-            </a:r>
-            <a:endParaRPr lang="fr-FR" dirty="0"/>
+              <a:rPr lang="fr-FR" dirty="0"/>
+              <a:t>Une entreprise emploie des personnes en difficulté.</a:t>
+            </a:r>
+          </a:p>
+          <a:p>
+            <a:r>
+              <a:rPr lang="fr-FR" dirty="0"/>
+              <a:t>Ces personnes ont besoin d’une application pour les aider.</a:t>
+            </a:r>
+          </a:p>
+          <a:p>
+            <a:r>
+              <a:rPr lang="fr-FR" dirty="0"/>
+              <a:t>Cette application doit gérer une liste de course.</a:t>
+            </a:r>
           </a:p>
         </p:txBody>
       </p:sp>
@@ -10545,10 +10324,9 @@
           <a:lstStyle/>
           <a:p>
             <a:r>
-              <a:rPr lang="fr-FR" smtClean="0"/>
+              <a:rPr lang="fr-FR"/>
               <a:t>CARREZ N. - DESERT L. | JUIN 2018</a:t>
             </a:r>
-            <a:endParaRPr lang="fr-FR"/>
           </a:p>
         </p:txBody>
       </p:sp>
@@ -10562,21 +10340,6 @@
   <p:clrMapOvr>
     <a:masterClrMapping/>
   </p:clrMapOvr>
-  <mc:AlternateContent xmlns:mc="http://schemas.openxmlformats.org/markup-compatibility/2006" xmlns:p14="http://schemas.microsoft.com/office/powerpoint/2010/main">
-    <mc:Choice Requires="p14">
-      <p:transition spd="slow" p14:dur="2000"/>
-    </mc:Choice>
-    <mc:Fallback xmlns="">
-      <p:transition spd="slow"/>
-    </mc:Fallback>
-  </mc:AlternateContent>
-  <p:timing>
-    <p:tnLst>
-      <p:par>
-        <p:cTn id="1" dur="indefinite" restart="never" nodeType="tmRoot"/>
-      </p:par>
-    </p:tnLst>
-  </p:timing>
 </p:sld>
 </file>
 
@@ -10613,10 +10376,9 @@
           <a:lstStyle/>
           <a:p>
             <a:r>
-              <a:rPr lang="fr-FR" dirty="0" smtClean="0"/>
+              <a:rPr lang="fr-FR" dirty="0"/>
               <a:t>INTRODUCTION</a:t>
             </a:r>
-            <a:endParaRPr lang="fr-FR" dirty="0"/>
           </a:p>
         </p:txBody>
       </p:sp>
@@ -10636,10 +10398,9 @@
           <a:lstStyle/>
           <a:p>
             <a:r>
-              <a:rPr lang="fr-FR" smtClean="0"/>
+              <a:rPr lang="fr-FR"/>
               <a:t>CARREZ N. - DESERT L. | JUIN 2018</a:t>
             </a:r>
-            <a:endParaRPr lang="fr-FR"/>
           </a:p>
         </p:txBody>
       </p:sp>
@@ -10665,7 +10426,7 @@
           <a:graphicData uri="http://schemas.openxmlformats.org/presentationml/2006/ole">
             <mc:AlternateContent xmlns:mc="http://schemas.openxmlformats.org/markup-compatibility/2006">
               <mc:Choice xmlns:v="urn:schemas-microsoft-com:vml" Requires="v">
-                <p:oleObj spid="_x0000_s2053" name="Feuille de calcul" r:id="rId4" imgW="10001228" imgH="4657802" progId="Excel.Sheet.12">
+                <p:oleObj spid="_x0000_s2056" name="Feuille de calcul" r:id="rId4" imgW="10001228" imgH="4657802" progId="Excel.Sheet.12">
                   <p:embed/>
                 </p:oleObj>
               </mc:Choice>
@@ -10924,10 +10685,9 @@
               <a:buNone/>
             </a:pPr>
             <a:r>
-              <a:rPr lang="fr-FR" dirty="0" smtClean="0"/>
+              <a:rPr lang="fr-FR" dirty="0"/>
               <a:t>Répartitions des tâches</a:t>
             </a:r>
-            <a:endParaRPr lang="fr-FR" dirty="0"/>
           </a:p>
         </p:txBody>
       </p:sp>
@@ -10941,21 +10701,6 @@
   <p:clrMapOvr>
     <a:masterClrMapping/>
   </p:clrMapOvr>
-  <mc:AlternateContent xmlns:mc="http://schemas.openxmlformats.org/markup-compatibility/2006" xmlns:p14="http://schemas.microsoft.com/office/powerpoint/2010/main">
-    <mc:Choice Requires="p14">
-      <p:transition spd="slow" p14:dur="2000"/>
-    </mc:Choice>
-    <mc:Fallback xmlns="">
-      <p:transition spd="slow"/>
-    </mc:Fallback>
-  </mc:AlternateContent>
-  <p:timing>
-    <p:tnLst>
-      <p:par>
-        <p:cTn id="1" dur="indefinite" restart="never" nodeType="tmRoot"/>
-      </p:par>
-    </p:tnLst>
-  </p:timing>
 </p:sld>
 </file>
 
@@ -10992,10 +10737,9 @@
           <a:lstStyle/>
           <a:p>
             <a:r>
-              <a:rPr lang="fr-FR" dirty="0" smtClean="0"/>
+              <a:rPr lang="fr-FR" dirty="0"/>
               <a:t>SOMMAIRE</a:t>
             </a:r>
-            <a:endParaRPr lang="fr-FR" dirty="0"/>
           </a:p>
         </p:txBody>
       </p:sp>
@@ -11015,41 +10759,41 @@
           <a:lstStyle/>
           <a:p>
             <a:r>
-              <a:rPr lang="fr-FR" dirty="0" smtClean="0"/>
+              <a:rPr lang="fr-FR" dirty="0"/>
               <a:t>FONCTIONNEMENT</a:t>
             </a:r>
           </a:p>
           <a:p>
             <a:r>
-              <a:rPr lang="fr-FR" dirty="0" smtClean="0"/>
+              <a:rPr lang="fr-FR" dirty="0"/>
               <a:t>DESIGN DE LA UI</a:t>
             </a:r>
           </a:p>
           <a:p>
             <a:r>
-              <a:rPr lang="fr-FR" dirty="0" smtClean="0"/>
+              <a:rPr lang="fr-FR" dirty="0"/>
               <a:t>LES </a:t>
             </a:r>
             <a:r>
-              <a:rPr lang="fr-FR" dirty="0" err="1" smtClean="0"/>
+              <a:rPr lang="fr-FR" dirty="0" err="1"/>
               <a:t>Uis</a:t>
             </a:r>
-            <a:endParaRPr lang="fr-FR" dirty="0" smtClean="0"/>
-          </a:p>
-          <a:p>
-            <a:r>
-              <a:rPr lang="fr-FR" dirty="0" smtClean="0"/>
+            <a:endParaRPr lang="fr-FR" dirty="0"/>
+          </a:p>
+          <a:p>
+            <a:r>
+              <a:rPr lang="fr-FR" dirty="0"/>
               <a:t>Les </a:t>
             </a:r>
             <a:r>
-              <a:rPr lang="fr-FR" dirty="0" err="1" smtClean="0"/>
+              <a:rPr lang="fr-FR" dirty="0" err="1"/>
               <a:t>spécifités</a:t>
             </a:r>
-            <a:endParaRPr lang="fr-FR" dirty="0" smtClean="0"/>
-          </a:p>
-          <a:p>
-            <a:r>
-              <a:rPr lang="fr-FR" dirty="0" smtClean="0"/>
+            <a:endParaRPr lang="fr-FR" dirty="0"/>
+          </a:p>
+          <a:p>
+            <a:r>
+              <a:rPr lang="fr-FR" dirty="0"/>
               <a:t>CONCLUSION</a:t>
             </a:r>
           </a:p>
@@ -11071,10 +10815,9 @@
           <a:lstStyle/>
           <a:p>
             <a:r>
-              <a:rPr lang="fr-FR" smtClean="0"/>
+              <a:rPr lang="fr-FR"/>
               <a:t>CARREZ N. - DESERT L. | JUIN 2018</a:t>
             </a:r>
-            <a:endParaRPr lang="fr-FR"/>
           </a:p>
         </p:txBody>
       </p:sp>
@@ -11088,13 +10831,6 @@
   <p:clrMapOvr>
     <a:masterClrMapping/>
   </p:clrMapOvr>
-  <p:timing>
-    <p:tnLst>
-      <p:par>
-        <p:cTn id="1" dur="indefinite" restart="never" nodeType="tmRoot"/>
-      </p:par>
-    </p:tnLst>
-  </p:timing>
 </p:sld>
 </file>
 
@@ -11131,10 +10867,9 @@
           <a:lstStyle/>
           <a:p>
             <a:r>
-              <a:rPr lang="fr-FR" dirty="0" smtClean="0"/>
+              <a:rPr lang="fr-FR" dirty="0"/>
               <a:t>FONCTIONNEMENT</a:t>
             </a:r>
-            <a:endParaRPr lang="fr-FR" dirty="0"/>
           </a:p>
         </p:txBody>
       </p:sp>
@@ -11159,10 +10894,9 @@
           <a:lstStyle/>
           <a:p>
             <a:r>
-              <a:rPr lang="fr-FR" dirty="0" smtClean="0"/>
+              <a:rPr lang="fr-FR" dirty="0"/>
               <a:t>ENTREES</a:t>
             </a:r>
-            <a:endParaRPr lang="fr-FR" dirty="0"/>
           </a:p>
         </p:txBody>
       </p:sp>
@@ -11187,7 +10921,7 @@
           <a:lstStyle/>
           <a:p>
             <a:r>
-              <a:rPr lang="fr-FR" dirty="0" smtClean="0"/>
+              <a:rPr lang="fr-FR" dirty="0"/>
               <a:t>Liste de courses</a:t>
             </a:r>
           </a:p>
@@ -11195,7 +10929,7 @@
             <a:pPr marL="0" indent="0">
               <a:buNone/>
             </a:pPr>
-            <a:endParaRPr lang="fr-FR" dirty="0" smtClean="0"/>
+            <a:endParaRPr lang="fr-FR" dirty="0"/>
           </a:p>
           <a:p>
             <a:endParaRPr lang="fr-FR" dirty="0"/>
@@ -11223,10 +10957,9 @@
           <a:lstStyle/>
           <a:p>
             <a:r>
-              <a:rPr lang="fr-FR" dirty="0" smtClean="0"/>
+              <a:rPr lang="fr-FR" dirty="0"/>
               <a:t>SORTIES</a:t>
             </a:r>
-            <a:endParaRPr lang="fr-FR" dirty="0"/>
           </a:p>
         </p:txBody>
       </p:sp>
@@ -11251,10 +10984,9 @@
           <a:lstStyle/>
           <a:p>
             <a:r>
-              <a:rPr lang="fr-FR" dirty="0" smtClean="0"/>
+              <a:rPr lang="fr-FR" dirty="0"/>
               <a:t>Retour de la commande</a:t>
             </a:r>
-            <a:endParaRPr lang="fr-FR" dirty="0"/>
           </a:p>
         </p:txBody>
       </p:sp>
@@ -11274,10 +11006,9 @@
           <a:lstStyle/>
           <a:p>
             <a:r>
-              <a:rPr lang="fr-FR" smtClean="0"/>
+              <a:rPr lang="fr-FR"/>
               <a:t>CARREZ N. - DESERT L. | JUIN 2018</a:t>
             </a:r>
-            <a:endParaRPr lang="fr-FR"/>
           </a:p>
         </p:txBody>
       </p:sp>
@@ -11304,22 +11035,14 @@
           <a:lstStyle/>
           <a:p>
             <a:r>
-              <a:rPr lang="fr-FR" dirty="0" smtClean="0"/>
-              <a:t>Idée de protocole</a:t>
-            </a:r>
-            <a:r>
               <a:rPr lang="fr-FR" dirty="0"/>
-              <a:t> : </a:t>
-            </a:r>
-            <a:r>
-              <a:rPr lang="fr-FR" dirty="0" smtClean="0"/>
-              <a:t/>
+              <a:t>Idée de protocole : </a:t>
             </a:r>
             <a:br>
-              <a:rPr lang="fr-FR" dirty="0" smtClean="0"/>
+              <a:rPr lang="fr-FR" dirty="0"/>
             </a:br>
             <a:r>
-              <a:rPr lang="fr-FR" sz="1400" dirty="0" smtClean="0"/>
+              <a:rPr lang="fr-FR" sz="1400" dirty="0"/>
               <a:t>[</a:t>
             </a:r>
             <a:r>
@@ -11336,24 +11059,20 @@
             </a:r>
             <a:r>
               <a:rPr lang="fr-FR" sz="1400" dirty="0"/>
-              <a:t>] </a:t>
-            </a:r>
-            <a:r>
-              <a:rPr lang="fr-FR" sz="1400" dirty="0" smtClean="0"/>
-              <a:t>+</a:t>
+              <a:t>] +</a:t>
             </a:r>
             <a:br>
-              <a:rPr lang="fr-FR" sz="1400" dirty="0" smtClean="0"/>
+              <a:rPr lang="fr-FR" sz="1400" dirty="0"/>
             </a:br>
             <a:r>
-              <a:rPr lang="fr-FR" sz="1400" dirty="0" smtClean="0"/>
+              <a:rPr lang="fr-FR" sz="1400" dirty="0"/>
               <a:t>{ </a:t>
             </a:r>
             <a:br>
-              <a:rPr lang="fr-FR" sz="1400" dirty="0" smtClean="0"/>
+              <a:rPr lang="fr-FR" sz="1400" dirty="0"/>
             </a:br>
             <a:r>
-              <a:rPr lang="fr-FR" sz="1400" dirty="0" smtClean="0"/>
+              <a:rPr lang="fr-FR" sz="1400" dirty="0"/>
               <a:t>[</a:t>
             </a:r>
             <a:r>
@@ -11369,14 +11088,14 @@
               <a:t>code barre de l’article</a:t>
             </a:r>
             <a:r>
-              <a:rPr lang="fr-FR" sz="1400" dirty="0" smtClean="0"/>
+              <a:rPr lang="fr-FR" sz="1400" dirty="0"/>
               <a:t>]</a:t>
             </a:r>
             <a:br>
-              <a:rPr lang="fr-FR" sz="1400" dirty="0" smtClean="0"/>
+              <a:rPr lang="fr-FR" sz="1400" dirty="0"/>
             </a:br>
             <a:r>
-              <a:rPr lang="fr-FR" sz="1400" dirty="0" smtClean="0"/>
+              <a:rPr lang="fr-FR" sz="1400" dirty="0"/>
               <a:t>[</a:t>
             </a:r>
             <a:r>
@@ -11384,7 +11103,7 @@
               <a:t>informations sur l’article</a:t>
             </a:r>
             <a:r>
-              <a:rPr lang="fr-FR" sz="1400" dirty="0" smtClean="0"/>
+              <a:rPr lang="fr-FR" sz="1400" dirty="0"/>
               <a:t>]...</a:t>
             </a:r>
           </a:p>
@@ -11419,19 +11138,11 @@
           <a:lstStyle/>
           <a:p>
             <a:r>
-              <a:rPr lang="fr-FR" dirty="0" smtClean="0"/>
-              <a:t>Idée de protocole</a:t>
-            </a:r>
-            <a:r>
               <a:rPr lang="fr-FR" dirty="0"/>
-              <a:t> : </a:t>
-            </a:r>
-            <a:r>
-              <a:rPr lang="fr-FR" dirty="0" smtClean="0"/>
-              <a:t/>
+              <a:t>Idée de protocole : </a:t>
             </a:r>
             <a:br>
-              <a:rPr lang="fr-FR" dirty="0" smtClean="0"/>
+              <a:rPr lang="fr-FR" dirty="0"/>
             </a:br>
             <a:r>
               <a:rPr lang="fr-FR" sz="1400" dirty="0"/>
@@ -11496,13 +11207,6 @@
   <p:clrMapOvr>
     <a:masterClrMapping/>
   </p:clrMapOvr>
-  <p:timing>
-    <p:tnLst>
-      <p:par>
-        <p:cTn id="1" dur="indefinite" restart="never" nodeType="tmRoot"/>
-      </p:par>
-    </p:tnLst>
-  </p:timing>
 </p:sld>
 </file>
 
@@ -11539,10 +11243,9 @@
           <a:lstStyle/>
           <a:p>
             <a:r>
-              <a:rPr lang="fr-FR" dirty="0" smtClean="0"/>
+              <a:rPr lang="fr-FR" dirty="0"/>
               <a:t>DESIGN DE L’UI</a:t>
             </a:r>
-            <a:endParaRPr lang="fr-FR" dirty="0"/>
           </a:p>
         </p:txBody>
       </p:sp>
@@ -11564,17 +11267,13 @@
             <a:pPr marL="0" indent="0">
               <a:buNone/>
             </a:pPr>
-            <a:endParaRPr lang="fr-FR" sz="2000" dirty="0" smtClean="0"/>
+            <a:endParaRPr lang="fr-FR" sz="2000" dirty="0"/>
           </a:p>
           <a:p>
             <a:pPr lvl="1"/>
             <a:r>
-              <a:rPr lang="fr-FR" sz="1800" dirty="0" smtClean="0"/>
-              <a:t>«</a:t>
-            </a:r>
-            <a:r>
               <a:rPr lang="fr-FR" sz="1800" dirty="0"/>
-              <a:t> Liste de Produits »</a:t>
+              <a:t>« Liste de Produits »</a:t>
             </a:r>
           </a:p>
           <a:p>
@@ -11591,14 +11290,14 @@
               <a:buNone/>
             </a:pPr>
             <a:r>
-              <a:rPr lang="fr-FR" sz="1400" dirty="0" smtClean="0"/>
+              <a:rPr lang="fr-FR" sz="1400" dirty="0"/>
               <a:t>Boutons de navigation</a:t>
             </a:r>
           </a:p>
           <a:p>
             <a:pPr lvl="1"/>
             <a:r>
-              <a:rPr lang="fr-FR" sz="1800" dirty="0" smtClean="0"/>
+              <a:rPr lang="fr-FR" sz="1800" dirty="0"/>
               <a:t>« Produits Choisis »</a:t>
             </a:r>
           </a:p>
@@ -11607,12 +11306,8 @@
               <a:buNone/>
             </a:pPr>
             <a:r>
-              <a:rPr lang="fr-FR" sz="1400" dirty="0" smtClean="0"/>
-              <a:t>Informations </a:t>
-            </a:r>
-            <a:r>
               <a:rPr lang="fr-FR" sz="1400" dirty="0"/>
-              <a:t>sur le produit</a:t>
+              <a:t>Informations sur le produit</a:t>
             </a:r>
           </a:p>
           <a:p>
@@ -11621,25 +11316,16 @@
             </a:pPr>
             <a:r>
               <a:rPr lang="fr-FR" sz="1400" dirty="0"/>
-              <a:t>Boutons </a:t>
-            </a:r>
-            <a:r>
-              <a:rPr lang="fr-FR" sz="1400" dirty="0" smtClean="0"/>
-              <a:t>scan </a:t>
+              <a:t>Boutons scan et </a:t>
+            </a:r>
+            <a:r>
+              <a:rPr lang="fr-FR" sz="1400" dirty="0" err="1"/>
+              <a:t>sold</a:t>
             </a:r>
             <a:r>
               <a:rPr lang="fr-FR" sz="1400" dirty="0"/>
-              <a:t>et </a:t>
-            </a:r>
-            <a:r>
-              <a:rPr lang="fr-FR" sz="1400" dirty="0" err="1" smtClean="0"/>
-              <a:t>sold</a:t>
-            </a:r>
-            <a:r>
-              <a:rPr lang="fr-FR" sz="1400" dirty="0" smtClean="0"/>
               <a:t>-out</a:t>
             </a:r>
-            <a:endParaRPr lang="fr-FR" sz="1400" dirty="0"/>
           </a:p>
           <a:p>
             <a:pPr lvl="1"/>
@@ -11707,10 +11393,9 @@
           <a:lstStyle/>
           <a:p>
             <a:r>
-              <a:rPr lang="fr-FR" smtClean="0"/>
+              <a:rPr lang="fr-FR"/>
               <a:t>CARREZ N. - DESERT L. | JUIN 2018</a:t>
             </a:r>
-            <a:endParaRPr lang="fr-FR"/>
           </a:p>
         </p:txBody>
       </p:sp>
@@ -11938,10 +11623,9 @@
               <a:buNone/>
             </a:pPr>
             <a:r>
-              <a:rPr lang="fr-FR" dirty="0" smtClean="0"/>
+              <a:rPr lang="fr-FR" dirty="0"/>
               <a:t>TROIS PARTIES</a:t>
             </a:r>
-            <a:endParaRPr lang="fr-FR" dirty="0"/>
           </a:p>
         </p:txBody>
       </p:sp>
@@ -11955,13 +11639,6 @@
   <p:clrMapOvr>
     <a:masterClrMapping/>
   </p:clrMapOvr>
-  <p:timing>
-    <p:tnLst>
-      <p:par>
-        <p:cTn id="1" dur="indefinite" restart="never" nodeType="tmRoot"/>
-      </p:par>
-    </p:tnLst>
-  </p:timing>
 </p:sld>
 </file>
 
@@ -11998,11 +11675,11 @@
           <a:lstStyle/>
           <a:p>
             <a:r>
-              <a:rPr lang="fr-FR" dirty="0" smtClean="0"/>
+              <a:rPr lang="fr-FR" dirty="0"/>
               <a:t>LES </a:t>
             </a:r>
             <a:r>
-              <a:rPr lang="fr-FR" dirty="0" err="1" smtClean="0"/>
+              <a:rPr lang="fr-FR" dirty="0" err="1"/>
               <a:t>UIs</a:t>
             </a:r>
             <a:endParaRPr lang="fr-FR" dirty="0"/>
@@ -12025,10 +11702,9 @@
           <a:lstStyle/>
           <a:p>
             <a:r>
-              <a:rPr lang="fr-FR" dirty="0" smtClean="0"/>
+              <a:rPr lang="fr-FR" dirty="0"/>
               <a:t>ANDROID</a:t>
             </a:r>
-            <a:endParaRPr lang="fr-FR" dirty="0"/>
           </a:p>
         </p:txBody>
       </p:sp>
@@ -12067,10 +11743,9 @@
           <a:lstStyle/>
           <a:p>
             <a:r>
-              <a:rPr lang="fr-FR" dirty="0" smtClean="0"/>
+              <a:rPr lang="fr-FR" dirty="0"/>
               <a:t>STM32</a:t>
             </a:r>
-            <a:endParaRPr lang="fr-FR" dirty="0"/>
           </a:p>
         </p:txBody>
       </p:sp>
@@ -12109,10 +11784,9 @@
           <a:lstStyle/>
           <a:p>
             <a:r>
-              <a:rPr lang="fr-FR" smtClean="0"/>
+              <a:rPr lang="fr-FR"/>
               <a:t>CARREZ N. - DESERT L. | JUIN 2018</a:t>
             </a:r>
-            <a:endParaRPr lang="fr-FR"/>
           </a:p>
         </p:txBody>
       </p:sp>
@@ -12149,7 +11823,7 @@
           <p:cNvPr id="10" name="Espace réservé du contenu 10">
             <a:extLst>
               <a:ext uri="{FF2B5EF4-FFF2-40B4-BE49-F238E27FC236}">
-                <a16:creationId xmlns:a16="http://schemas.microsoft.com/office/drawing/2014/main" xmlns="" id="{793747BF-9801-4F2D-B19F-7E6DB06AB451}"/>
+                <a16:creationId xmlns:a16="http://schemas.microsoft.com/office/drawing/2014/main" id="{793747BF-9801-4F2D-B19F-7E6DB06AB451}"/>
               </a:ext>
             </a:extLst>
           </p:cNvPr>
@@ -12233,10 +11907,9 @@
           <a:lstStyle/>
           <a:p>
             <a:r>
-              <a:rPr lang="fr-FR" dirty="0" smtClean="0"/>
+              <a:rPr lang="fr-FR" dirty="0"/>
               <a:t>Spécificités – ANDROID</a:t>
             </a:r>
-            <a:endParaRPr lang="fr-FR" dirty="0"/>
           </a:p>
         </p:txBody>
       </p:sp>
@@ -12257,13 +11930,8 @@
           <a:p>
             <a:r>
               <a:rPr lang="fr-FR" dirty="0"/>
-              <a:t>Finalité : Liste </a:t>
-            </a:r>
-            <a:r>
-              <a:rPr lang="fr-FR" dirty="0" smtClean="0"/>
-              <a:t>Dynamique</a:t>
-            </a:r>
-            <a:endParaRPr lang="fr-FR" dirty="0"/>
+              <a:t>Finalité : Liste Dynamique</a:t>
+            </a:r>
           </a:p>
         </p:txBody>
       </p:sp>
@@ -12283,14 +11951,14 @@
           <a:lstStyle/>
           <a:p>
             <a:r>
-              <a:rPr lang="fr-FR" dirty="0" smtClean="0"/>
+              <a:rPr lang="fr-FR" dirty="0"/>
               <a:t>Utiliser une </a:t>
             </a:r>
             <a:r>
-              <a:rPr lang="fr-FR" i="1" dirty="0" err="1" smtClean="0"/>
+              <a:rPr lang="fr-FR" i="1" dirty="0" err="1"/>
               <a:t>ArrayList</a:t>
             </a:r>
-            <a:endParaRPr lang="fr-FR" i="1" dirty="0" smtClean="0"/>
+            <a:endParaRPr lang="fr-FR" i="1" dirty="0"/>
           </a:p>
           <a:p>
             <a:pPr lvl="1">
@@ -12298,15 +11966,15 @@
               <a:buAutoNum type="arabicPeriod"/>
             </a:pPr>
             <a:r>
-              <a:rPr lang="fr-FR" dirty="0" smtClean="0"/>
+              <a:rPr lang="fr-FR" dirty="0"/>
               <a:t>Déclarer la </a:t>
             </a:r>
             <a:r>
-              <a:rPr lang="fr-FR" i="1" dirty="0" err="1" smtClean="0"/>
+              <a:rPr lang="fr-FR" i="1" dirty="0" err="1"/>
               <a:t>ArrayList</a:t>
             </a:r>
             <a:r>
-              <a:rPr lang="fr-FR" dirty="0" smtClean="0"/>
+              <a:rPr lang="fr-FR" dirty="0"/>
               <a:t> avec classe associée</a:t>
             </a:r>
           </a:p>
@@ -12316,7 +11984,7 @@
               <a:buAutoNum type="arabicPeriod"/>
             </a:pPr>
             <a:r>
-              <a:rPr lang="fr-FR" dirty="0" smtClean="0"/>
+              <a:rPr lang="fr-FR" dirty="0"/>
               <a:t>Ajouter un élément à la liste</a:t>
             </a:r>
           </a:p>
@@ -12326,7 +11994,7 @@
               <a:buAutoNum type="arabicPeriod"/>
             </a:pPr>
             <a:r>
-              <a:rPr lang="fr-FR" dirty="0" smtClean="0"/>
+              <a:rPr lang="fr-FR" dirty="0"/>
               <a:t>Lire un élément de la liste</a:t>
             </a:r>
           </a:p>
@@ -12336,14 +12004,14 @@
               <a:buAutoNum type="arabicPeriod"/>
             </a:pPr>
             <a:r>
-              <a:rPr lang="fr-FR" dirty="0" smtClean="0"/>
+              <a:rPr lang="fr-FR" dirty="0"/>
               <a:t>Retirer un élément de la </a:t>
             </a:r>
             <a:r>
-              <a:rPr lang="fr-FR" i="1" dirty="0" err="1" smtClean="0"/>
+              <a:rPr lang="fr-FR" i="1" dirty="0" err="1"/>
               <a:t>ArrayList</a:t>
             </a:r>
-            <a:endParaRPr lang="fr-FR" i="1" dirty="0" smtClean="0"/>
+            <a:endParaRPr lang="fr-FR" i="1" dirty="0"/>
           </a:p>
           <a:p>
             <a:pPr lvl="1">
@@ -12371,13 +12039,8 @@
           <a:p>
             <a:r>
               <a:rPr lang="fr-FR" dirty="0"/>
-              <a:t>Finalité : </a:t>
-            </a:r>
-            <a:r>
-              <a:rPr lang="fr-FR" dirty="0" smtClean="0"/>
-              <a:t>Lecture de fichiers</a:t>
-            </a:r>
-            <a:endParaRPr lang="fr-FR" dirty="0"/>
+              <a:t>Finalité : Lecture de fichiers</a:t>
+            </a:r>
           </a:p>
         </p:txBody>
       </p:sp>
@@ -12397,14 +12060,14 @@
           <a:lstStyle/>
           <a:p>
             <a:r>
-              <a:rPr lang="fr-FR" dirty="0" smtClean="0"/>
+              <a:rPr lang="fr-FR" dirty="0"/>
               <a:t>Utiliser un fichier .</a:t>
             </a:r>
             <a:r>
-              <a:rPr lang="fr-FR" dirty="0" err="1" smtClean="0"/>
+              <a:rPr lang="fr-FR" dirty="0" err="1"/>
               <a:t>txt</a:t>
             </a:r>
-            <a:endParaRPr lang="fr-FR" dirty="0" smtClean="0"/>
+            <a:endParaRPr lang="fr-FR" dirty="0"/>
           </a:p>
           <a:p>
             <a:pPr lvl="1">
@@ -12412,7 +12075,7 @@
               <a:buAutoNum type="arabicPeriod"/>
             </a:pPr>
             <a:r>
-              <a:rPr lang="fr-FR" dirty="0" smtClean="0"/>
+              <a:rPr lang="fr-FR" dirty="0"/>
               <a:t>Créer le fichier</a:t>
             </a:r>
           </a:p>
@@ -12422,15 +12085,15 @@
               <a:buAutoNum type="arabicPeriod"/>
             </a:pPr>
             <a:r>
-              <a:rPr lang="fr-FR" dirty="0" smtClean="0"/>
+              <a:rPr lang="fr-FR" dirty="0"/>
               <a:t>Transférer le .</a:t>
             </a:r>
             <a:r>
-              <a:rPr lang="fr-FR" dirty="0" err="1" smtClean="0"/>
+              <a:rPr lang="fr-FR" dirty="0" err="1"/>
               <a:t>txt</a:t>
             </a:r>
             <a:r>
-              <a:rPr lang="fr-FR" dirty="0" smtClean="0"/>
+              <a:rPr lang="fr-FR" dirty="0"/>
               <a:t> sur le téléphone</a:t>
             </a:r>
           </a:p>
@@ -12440,15 +12103,15 @@
               <a:buAutoNum type="arabicPeriod"/>
             </a:pPr>
             <a:r>
-              <a:rPr lang="fr-FR" dirty="0" smtClean="0"/>
+              <a:rPr lang="fr-FR" dirty="0"/>
               <a:t>Lire le fichier avec </a:t>
             </a:r>
             <a:r>
-              <a:rPr lang="fr-FR" i="1" dirty="0" err="1" smtClean="0"/>
+              <a:rPr lang="fr-FR" i="1" dirty="0" err="1"/>
               <a:t>ReadList</a:t>
             </a:r>
             <a:r>
-              <a:rPr lang="fr-FR" i="1" dirty="0" smtClean="0"/>
+              <a:rPr lang="fr-FR" i="1" dirty="0"/>
               <a:t>()</a:t>
             </a:r>
           </a:p>
@@ -12458,10 +12121,9 @@
               <a:buAutoNum type="arabicPeriod"/>
             </a:pPr>
             <a:r>
-              <a:rPr lang="fr-FR" dirty="0" smtClean="0"/>
+              <a:rPr lang="fr-FR" dirty="0"/>
               <a:t>Ajouter le contenu dans la liste</a:t>
             </a:r>
-            <a:endParaRPr lang="fr-FR" dirty="0"/>
           </a:p>
         </p:txBody>
       </p:sp>
@@ -12481,10 +12143,9 @@
           <a:lstStyle/>
           <a:p>
             <a:r>
-              <a:rPr lang="fr-FR" smtClean="0"/>
+              <a:rPr lang="fr-FR"/>
               <a:t>CARREZ N. - DESERT L. | JUIN 2018</a:t>
             </a:r>
-            <a:endParaRPr lang="fr-FR"/>
           </a:p>
         </p:txBody>
       </p:sp>
@@ -12709,10 +12370,9 @@
           </a:lstStyle>
           <a:p>
             <a:r>
-              <a:rPr lang="fr-FR" dirty="0" smtClean="0"/>
+              <a:rPr lang="fr-FR" dirty="0"/>
               <a:t>Validé</a:t>
             </a:r>
-            <a:endParaRPr lang="fr-FR" dirty="0"/>
           </a:p>
         </p:txBody>
       </p:sp>
@@ -12937,14 +12597,9 @@
           </a:lstStyle>
           <a:p>
             <a:r>
-              <a:rPr lang="fr-FR" dirty="0" smtClean="0"/>
-              <a:t>Non v</a:t>
-            </a:r>
-            <a:r>
-              <a:rPr lang="fr-FR" dirty="0" smtClean="0"/>
-              <a:t>alidé</a:t>
-            </a:r>
-            <a:endParaRPr lang="fr-FR" dirty="0"/>
+              <a:rPr lang="fr-FR" dirty="0"/>
+              <a:t>Non validé</a:t>
+            </a:r>
           </a:p>
         </p:txBody>
       </p:sp>
@@ -13054,7 +12709,7 @@
           <a:lstStyle/>
           <a:p>
             <a:r>
-              <a:rPr lang="fr-FR" smtClean="0"/>
+              <a:rPr lang="fr-FR"/>
               <a:t>Spécificités – STM32</a:t>
             </a:r>
             <a:endParaRPr lang="fr-FR" dirty="0"/>
@@ -13099,7 +12754,7 @@
           <a:lstStyle/>
           <a:p>
             <a:r>
-              <a:rPr lang="fr-FR" dirty="0" smtClean="0"/>
+              <a:rPr lang="fr-FR" dirty="0"/>
               <a:t>Ouvrir une connexion UART</a:t>
             </a:r>
           </a:p>
@@ -13109,7 +12764,7 @@
               <a:buAutoNum type="arabicPeriod"/>
             </a:pPr>
             <a:r>
-              <a:rPr lang="fr-FR" dirty="0" smtClean="0"/>
+              <a:rPr lang="fr-FR" dirty="0"/>
               <a:t>Paramétrer la liaison</a:t>
             </a:r>
           </a:p>
@@ -13119,7 +12774,7 @@
               <a:buAutoNum type="arabicPeriod"/>
             </a:pPr>
             <a:r>
-              <a:rPr lang="fr-FR" dirty="0" smtClean="0"/>
+              <a:rPr lang="fr-FR" dirty="0"/>
               <a:t>Initialiser l’UART</a:t>
             </a:r>
           </a:p>
@@ -13129,7 +12784,7 @@
               <a:buAutoNum type="arabicPeriod"/>
             </a:pPr>
             <a:r>
-              <a:rPr lang="fr-FR" dirty="0" smtClean="0"/>
+              <a:rPr lang="fr-FR" dirty="0"/>
               <a:t>Pinger le module Bluetooth</a:t>
             </a:r>
           </a:p>
@@ -13139,7 +12794,7 @@
               <a:buAutoNum type="arabicPeriod"/>
             </a:pPr>
             <a:r>
-              <a:rPr lang="fr-FR" dirty="0" smtClean="0"/>
+              <a:rPr lang="fr-FR" dirty="0"/>
               <a:t>Paramétrer le module</a:t>
             </a:r>
           </a:p>
@@ -13149,10 +12804,9 @@
               <a:buAutoNum type="arabicPeriod"/>
             </a:pPr>
             <a:r>
-              <a:rPr lang="fr-FR" dirty="0" smtClean="0"/>
+              <a:rPr lang="fr-FR" dirty="0"/>
               <a:t>Echanger avec le module</a:t>
             </a:r>
-            <a:endParaRPr lang="fr-FR" dirty="0"/>
           </a:p>
         </p:txBody>
       </p:sp>
@@ -13172,10 +12826,9 @@
           <a:lstStyle/>
           <a:p>
             <a:r>
-              <a:rPr lang="fr-FR" dirty="0" smtClean="0"/>
+              <a:rPr lang="fr-FR" dirty="0"/>
               <a:t>Finalité : Liste Dynamique</a:t>
             </a:r>
-            <a:endParaRPr lang="fr-FR" dirty="0"/>
           </a:p>
         </p:txBody>
       </p:sp>
@@ -13195,7 +12848,7 @@
           <a:lstStyle/>
           <a:p>
             <a:r>
-              <a:rPr lang="fr-FR" dirty="0" smtClean="0"/>
+              <a:rPr lang="fr-FR" dirty="0"/>
               <a:t>Créer un tableau dynamique</a:t>
             </a:r>
           </a:p>
@@ -13205,7 +12858,7 @@
               <a:buAutoNum type="arabicPeriod"/>
             </a:pPr>
             <a:r>
-              <a:rPr lang="fr-FR" dirty="0" smtClean="0"/>
+              <a:rPr lang="fr-FR" dirty="0"/>
               <a:t>Définir la structure</a:t>
             </a:r>
           </a:p>
@@ -13215,7 +12868,7 @@
               <a:buAutoNum type="arabicPeriod"/>
             </a:pPr>
             <a:r>
-              <a:rPr lang="fr-FR" dirty="0" smtClean="0"/>
+              <a:rPr lang="fr-FR" dirty="0"/>
               <a:t>Créer un pointeur vers la structure</a:t>
             </a:r>
           </a:p>
@@ -13225,7 +12878,7 @@
               <a:buAutoNum type="arabicPeriod"/>
             </a:pPr>
             <a:r>
-              <a:rPr lang="fr-FR" dirty="0" smtClean="0"/>
+              <a:rPr lang="fr-FR" dirty="0"/>
               <a:t>Allouer la mémoire au tableau</a:t>
             </a:r>
           </a:p>
@@ -13235,10 +12888,9 @@
               <a:buAutoNum type="arabicPeriod"/>
             </a:pPr>
             <a:r>
-              <a:rPr lang="fr-FR" dirty="0" smtClean="0"/>
+              <a:rPr lang="fr-FR" dirty="0"/>
               <a:t>Initialiser le tableau avec les valeurs</a:t>
             </a:r>
-            <a:endParaRPr lang="fr-FR" dirty="0"/>
           </a:p>
         </p:txBody>
       </p:sp>
@@ -13258,10 +12910,9 @@
           <a:lstStyle/>
           <a:p>
             <a:r>
-              <a:rPr lang="fr-FR" dirty="0" smtClean="0"/>
+              <a:rPr lang="fr-FR" dirty="0"/>
               <a:t>CARREZ N. - DESERT L. | JUIN 2018</a:t>
             </a:r>
-            <a:endParaRPr lang="fr-FR" dirty="0"/>
           </a:p>
         </p:txBody>
       </p:sp>
@@ -13486,10 +13137,9 @@
           </a:lstStyle>
           <a:p>
             <a:r>
-              <a:rPr lang="fr-FR" dirty="0" smtClean="0"/>
+              <a:rPr lang="fr-FR" dirty="0"/>
               <a:t>Non validé</a:t>
             </a:r>
-            <a:endParaRPr lang="fr-FR" dirty="0"/>
           </a:p>
         </p:txBody>
       </p:sp>
@@ -13714,10 +13364,9 @@
           </a:lstStyle>
           <a:p>
             <a:r>
-              <a:rPr lang="fr-FR" dirty="0" smtClean="0"/>
+              <a:rPr lang="fr-FR" dirty="0"/>
               <a:t>Validé</a:t>
             </a:r>
-            <a:endParaRPr lang="fr-FR" dirty="0"/>
           </a:p>
         </p:txBody>
       </p:sp>
